--- a/docs/Equals_Präsentation_Gruppe 1.pptx
+++ b/docs/Equals_Präsentation_Gruppe 1.pptx
@@ -115,6 +115,11 @@
       </a:defRPr>
     </a:lvl9pPr>
   </p:defaultTextStyle>
+  <p:extLst>
+    <p:ext uri="{EFAFB233-063F-42B5-8137-9DF3F51BA10A}">
+      <p15:sldGuideLst xmlns:p15="http://schemas.microsoft.com/office/powerpoint/2012/main"/>
+    </p:ext>
+  </p:extLst>
 </p:presentation>
 </file>
 
@@ -684,7 +689,7 @@
           <a:p>
             <a:fld id="{E560575E-1F45-4D7B-893C-A9614C9FC59C}" type="datetimeFigureOut">
               <a:rPr lang="de-CH" smtClean="0"/>
-              <a:t>22.03.2021</a:t>
+              <a:t>22.03.21</a:t>
             </a:fld>
             <a:endParaRPr lang="de-CH"/>
           </a:p>
@@ -863,7 +868,7 @@
           <a:p>
             <a:fld id="{E560575E-1F45-4D7B-893C-A9614C9FC59C}" type="datetimeFigureOut">
               <a:rPr lang="de-CH" smtClean="0"/>
-              <a:t>22.03.2021</a:t>
+              <a:t>22.03.21</a:t>
             </a:fld>
             <a:endParaRPr lang="de-CH"/>
           </a:p>
@@ -1043,7 +1048,7 @@
           <a:p>
             <a:fld id="{E560575E-1F45-4D7B-893C-A9614C9FC59C}" type="datetimeFigureOut">
               <a:rPr lang="de-CH" smtClean="0"/>
-              <a:t>22.03.2021</a:t>
+              <a:t>22.03.21</a:t>
             </a:fld>
             <a:endParaRPr lang="de-CH"/>
           </a:p>
@@ -1213,7 +1218,7 @@
           <a:p>
             <a:fld id="{E560575E-1F45-4D7B-893C-A9614C9FC59C}" type="datetimeFigureOut">
               <a:rPr lang="de-CH" smtClean="0"/>
-              <a:t>22.03.2021</a:t>
+              <a:t>22.03.21</a:t>
             </a:fld>
             <a:endParaRPr lang="de-CH"/>
           </a:p>
@@ -1526,7 +1531,7 @@
           <a:p>
             <a:fld id="{E560575E-1F45-4D7B-893C-A9614C9FC59C}" type="datetimeFigureOut">
               <a:rPr lang="de-CH" smtClean="0"/>
-              <a:t>22.03.2021</a:t>
+              <a:t>22.03.21</a:t>
             </a:fld>
             <a:endParaRPr lang="de-CH"/>
           </a:p>
@@ -1912,7 +1917,7 @@
           <a:p>
             <a:fld id="{E560575E-1F45-4D7B-893C-A9614C9FC59C}" type="datetimeFigureOut">
               <a:rPr lang="de-CH" smtClean="0"/>
-              <a:t>22.03.2021</a:t>
+              <a:t>22.03.21</a:t>
             </a:fld>
             <a:endParaRPr lang="de-CH"/>
           </a:p>
@@ -2346,7 +2351,7 @@
           <a:p>
             <a:fld id="{E560575E-1F45-4D7B-893C-A9614C9FC59C}" type="datetimeFigureOut">
               <a:rPr lang="de-CH" smtClean="0"/>
-              <a:t>22.03.2021</a:t>
+              <a:t>22.03.21</a:t>
             </a:fld>
             <a:endParaRPr lang="de-CH"/>
           </a:p>
@@ -2464,7 +2469,7 @@
           <a:p>
             <a:fld id="{E560575E-1F45-4D7B-893C-A9614C9FC59C}" type="datetimeFigureOut">
               <a:rPr lang="de-CH" smtClean="0"/>
-              <a:t>22.03.2021</a:t>
+              <a:t>22.03.21</a:t>
             </a:fld>
             <a:endParaRPr lang="de-CH"/>
           </a:p>
@@ -2559,7 +2564,7 @@
           <a:p>
             <a:fld id="{E560575E-1F45-4D7B-893C-A9614C9FC59C}" type="datetimeFigureOut">
               <a:rPr lang="de-CH" smtClean="0"/>
-              <a:t>22.03.2021</a:t>
+              <a:t>22.03.21</a:t>
             </a:fld>
             <a:endParaRPr lang="de-CH"/>
           </a:p>
@@ -2909,7 +2914,7 @@
           <a:p>
             <a:fld id="{E560575E-1F45-4D7B-893C-A9614C9FC59C}" type="datetimeFigureOut">
               <a:rPr lang="de-CH" smtClean="0"/>
-              <a:t>22.03.2021</a:t>
+              <a:t>22.03.21</a:t>
             </a:fld>
             <a:endParaRPr lang="de-CH"/>
           </a:p>
@@ -3334,7 +3339,7 @@
           <a:p>
             <a:fld id="{E560575E-1F45-4D7B-893C-A9614C9FC59C}" type="datetimeFigureOut">
               <a:rPr lang="de-CH" smtClean="0"/>
-              <a:t>22.03.2021</a:t>
+              <a:t>22.03.21</a:t>
             </a:fld>
             <a:endParaRPr lang="de-CH"/>
           </a:p>
@@ -3615,7 +3620,7 @@
           <a:p>
             <a:fld id="{E560575E-1F45-4D7B-893C-A9614C9FC59C}" type="datetimeFigureOut">
               <a:rPr lang="de-CH" smtClean="0"/>
-              <a:t>22.03.2021</a:t>
+              <a:t>22.03.21</a:t>
             </a:fld>
             <a:endParaRPr lang="de-CH"/>
           </a:p>
@@ -3687,7 +3692,7 @@
               <a:avLst/>
             </a:prstGeom>
             <a:blipFill dpi="0" rotWithShape="1">
-              <a:blip r:embed="rId14">
+              <a:blip r:embed="rId15">
                 <a:duotone>
                   <a:schemeClr val="accent1">
                     <a:shade val="45000"/>
@@ -3698,7 +3703,7 @@
                 <a:extLst>
                   <a:ext uri="{BEBA8EAE-BF5A-486C-A8C5-ECC9F3942E4B}">
                     <a14:imgProps xmlns:a14="http://schemas.microsoft.com/office/drawing/2010/main">
-                      <a14:imgLayer r:embed="rId15">
+                      <a14:imgLayer r:embed="rId16">
                         <a14:imgEffect>
                           <a14:saturation sat="95000"/>
                         </a14:imgEffect>
@@ -3799,7 +3804,7 @@
           </p:cNvGraphicFramePr>
           <p:nvPr userDrawn="1">
             <p:custDataLst>
-              <p:tags r:id="rId13"/>
+              <p:tags r:id="rId14"/>
             </p:custDataLst>
             <p:extLst>
               <p:ext uri="{D42A27DB-BD31-4B8C-83A1-F6EECF244321}">
@@ -3816,12 +3821,12 @@
           <a:graphicData uri="http://schemas.openxmlformats.org/presentationml/2006/ole">
             <mc:AlternateContent xmlns:mc="http://schemas.openxmlformats.org/markup-compatibility/2006">
               <mc:Choice xmlns:v="urn:schemas-microsoft-com:vml" Requires="v">
-                <p:oleObj name="think-cell Slide" r:id="rId16" imgW="473" imgH="473" progId="TCLayout.ActiveDocument.1">
+                <p:oleObj spid="_x0000_s1025" name="think-cell Slide" r:id="rId17" imgW="473" imgH="473" progId="TCLayout.ActiveDocument.1">
                   <p:embed/>
                 </p:oleObj>
               </mc:Choice>
               <mc:Fallback>
-                <p:oleObj name="think-cell Slide" r:id="rId16" imgW="473" imgH="473" progId="TCLayout.ActiveDocument.1">
+                <p:oleObj name="think-cell Slide" r:id="rId17" imgW="473" imgH="473" progId="TCLayout.ActiveDocument.1">
                   <p:embed/>
                   <p:pic>
                     <p:nvPicPr>
@@ -3836,7 +3841,7 @@
                       <p:nvPr/>
                     </p:nvPicPr>
                     <p:blipFill>
-                      <a:blip r:embed="rId17"/>
+                      <a:blip r:embed="rId18"/>
                       <a:stretch>
                         <a:fillRect/>
                       </a:stretch>
@@ -3890,7 +3895,7 @@
         <a:buNone/>
         <a:defRPr sz="5400" kern="1200" cap="all" baseline="0">
           <a:blipFill>
-            <a:blip r:embed="rId18">
+            <a:blip r:embed="rId19">
               <a:extLst>
                 <a:ext uri="{28A0092B-C50C-407E-A947-70E740481C1C}">
                   <a14:useLocalDpi xmlns:a14="http://schemas.microsoft.com/office/drawing/2010/main" val="0"/>
@@ -4277,7 +4282,7 @@
           </p:cNvGraphicFramePr>
           <p:nvPr>
             <p:custDataLst>
-              <p:tags r:id="rId1"/>
+              <p:tags r:id="rId2"/>
             </p:custDataLst>
             <p:extLst>
               <p:ext uri="{D42A27DB-BD31-4B8C-83A1-F6EECF244321}">
@@ -4294,12 +4299,12 @@
           <a:graphicData uri="http://schemas.openxmlformats.org/presentationml/2006/ole">
             <mc:AlternateContent xmlns:mc="http://schemas.openxmlformats.org/markup-compatibility/2006">
               <mc:Choice xmlns:v="urn:schemas-microsoft-com:vml" Requires="v">
-                <p:oleObj name="think-cell Slide" r:id="rId3" imgW="473" imgH="473" progId="TCLayout.ActiveDocument.1">
+                <p:oleObj spid="_x0000_s2049" name="think-cell Slide" r:id="rId4" imgW="473" imgH="473" progId="TCLayout.ActiveDocument.1">
                   <p:embed/>
                 </p:oleObj>
               </mc:Choice>
               <mc:Fallback>
-                <p:oleObj name="think-cell Slide" r:id="rId3" imgW="473" imgH="473" progId="TCLayout.ActiveDocument.1">
+                <p:oleObj name="think-cell Slide" r:id="rId4" imgW="473" imgH="473" progId="TCLayout.ActiveDocument.1">
                   <p:embed/>
                   <p:pic>
                     <p:nvPicPr>
@@ -4314,7 +4319,7 @@
                       <p:nvPr/>
                     </p:nvPicPr>
                     <p:blipFill>
-                      <a:blip r:embed="rId4"/>
+                      <a:blip r:embed="rId5"/>
                       <a:stretch>
                         <a:fillRect/>
                       </a:stretch>
@@ -4443,7 +4448,7 @@
           </p:cNvGraphicFramePr>
           <p:nvPr>
             <p:custDataLst>
-              <p:tags r:id="rId1"/>
+              <p:tags r:id="rId2"/>
             </p:custDataLst>
             <p:extLst>
               <p:ext uri="{D42A27DB-BD31-4B8C-83A1-F6EECF244321}">
@@ -4460,12 +4465,12 @@
           <a:graphicData uri="http://schemas.openxmlformats.org/presentationml/2006/ole">
             <mc:AlternateContent xmlns:mc="http://schemas.openxmlformats.org/markup-compatibility/2006">
               <mc:Choice xmlns:v="urn:schemas-microsoft-com:vml" Requires="v">
-                <p:oleObj name="think-cell Slide" r:id="rId3" imgW="473" imgH="473" progId="TCLayout.ActiveDocument.1">
+                <p:oleObj spid="_x0000_s3073" name="think-cell Slide" r:id="rId4" imgW="473" imgH="473" progId="TCLayout.ActiveDocument.1">
                   <p:embed/>
                 </p:oleObj>
               </mc:Choice>
               <mc:Fallback>
-                <p:oleObj name="think-cell Slide" r:id="rId3" imgW="473" imgH="473" progId="TCLayout.ActiveDocument.1">
+                <p:oleObj name="think-cell Slide" r:id="rId4" imgW="473" imgH="473" progId="TCLayout.ActiveDocument.1">
                   <p:embed/>
                   <p:pic>
                     <p:nvPicPr>
@@ -4480,7 +4485,7 @@
                       <p:nvPr/>
                     </p:nvPicPr>
                     <p:blipFill>
-                      <a:blip r:embed="rId4"/>
+                      <a:blip r:embed="rId5"/>
                       <a:stretch>
                         <a:fillRect/>
                       </a:stretch>
@@ -4546,7 +4551,7 @@
           </p:nvPr>
         </p:nvPicPr>
         <p:blipFill>
-          <a:blip r:embed="rId5">
+          <a:blip r:embed="rId6">
             <a:extLst>
               <a:ext uri="{28A0092B-C50C-407E-A947-70E740481C1C}">
                 <a14:useLocalDpi xmlns:a14="http://schemas.microsoft.com/office/drawing/2010/main" val="0"/>
@@ -4580,7 +4585,7 @@
           <p:nvPr/>
         </p:nvPicPr>
         <p:blipFill>
-          <a:blip r:embed="rId6" cstate="print">
+          <a:blip r:embed="rId7" cstate="print">
             <a:extLst>
               <a:ext uri="{28A0092B-C50C-407E-A947-70E740481C1C}">
                 <a14:useLocalDpi xmlns:a14="http://schemas.microsoft.com/office/drawing/2010/main" val="0"/>
@@ -4614,7 +4619,7 @@
           <p:nvPr/>
         </p:nvPicPr>
         <p:blipFill>
-          <a:blip r:embed="rId7" cstate="print">
+          <a:blip r:embed="rId8" cstate="print">
             <a:extLst>
               <a:ext uri="{28A0092B-C50C-407E-A947-70E740481C1C}">
                 <a14:useLocalDpi xmlns:a14="http://schemas.microsoft.com/office/drawing/2010/main" val="0"/>
@@ -4757,7 +4762,7 @@
           </p:cNvGraphicFramePr>
           <p:nvPr>
             <p:custDataLst>
-              <p:tags r:id="rId1"/>
+              <p:tags r:id="rId2"/>
             </p:custDataLst>
             <p:extLst>
               <p:ext uri="{D42A27DB-BD31-4B8C-83A1-F6EECF244321}">
@@ -4774,12 +4779,12 @@
           <a:graphicData uri="http://schemas.openxmlformats.org/presentationml/2006/ole">
             <mc:AlternateContent xmlns:mc="http://schemas.openxmlformats.org/markup-compatibility/2006">
               <mc:Choice xmlns:v="urn:schemas-microsoft-com:vml" Requires="v">
-                <p:oleObj name="think-cell Slide" r:id="rId3" imgW="473" imgH="473" progId="TCLayout.ActiveDocument.1">
+                <p:oleObj spid="_x0000_s4097" name="think-cell Slide" r:id="rId4" imgW="473" imgH="473" progId="TCLayout.ActiveDocument.1">
                   <p:embed/>
                 </p:oleObj>
               </mc:Choice>
               <mc:Fallback>
-                <p:oleObj name="think-cell Slide" r:id="rId3" imgW="473" imgH="473" progId="TCLayout.ActiveDocument.1">
+                <p:oleObj name="think-cell Slide" r:id="rId4" imgW="473" imgH="473" progId="TCLayout.ActiveDocument.1">
                   <p:embed/>
                   <p:pic>
                     <p:nvPicPr>
@@ -4794,7 +4799,7 @@
                       <p:nvPr/>
                     </p:nvPicPr>
                     <p:blipFill>
-                      <a:blip r:embed="rId4"/>
+                      <a:blip r:embed="rId5"/>
                       <a:stretch>
                         <a:fillRect/>
                       </a:stretch>
@@ -4860,7 +4865,7 @@
           </p:nvPr>
         </p:nvPicPr>
         <p:blipFill>
-          <a:blip r:embed="rId5">
+          <a:blip r:embed="rId6">
             <a:extLst>
               <a:ext uri="{28A0092B-C50C-407E-A947-70E740481C1C}">
                 <a14:useLocalDpi xmlns:a14="http://schemas.microsoft.com/office/drawing/2010/main" val="0"/>
@@ -5058,7 +5063,7 @@
           </p:cNvGraphicFramePr>
           <p:nvPr>
             <p:custDataLst>
-              <p:tags r:id="rId1"/>
+              <p:tags r:id="rId2"/>
             </p:custDataLst>
             <p:extLst>
               <p:ext uri="{D42A27DB-BD31-4B8C-83A1-F6EECF244321}">
@@ -5075,12 +5080,12 @@
           <a:graphicData uri="http://schemas.openxmlformats.org/presentationml/2006/ole">
             <mc:AlternateContent xmlns:mc="http://schemas.openxmlformats.org/markup-compatibility/2006">
               <mc:Choice xmlns:v="urn:schemas-microsoft-com:vml" Requires="v">
-                <p:oleObj name="think-cell Slide" r:id="rId3" imgW="473" imgH="473" progId="TCLayout.ActiveDocument.1">
+                <p:oleObj spid="_x0000_s5121" name="think-cell Slide" r:id="rId4" imgW="473" imgH="473" progId="TCLayout.ActiveDocument.1">
                   <p:embed/>
                 </p:oleObj>
               </mc:Choice>
               <mc:Fallback>
-                <p:oleObj name="think-cell Slide" r:id="rId3" imgW="473" imgH="473" progId="TCLayout.ActiveDocument.1">
+                <p:oleObj name="think-cell Slide" r:id="rId4" imgW="473" imgH="473" progId="TCLayout.ActiveDocument.1">
                   <p:embed/>
                   <p:pic>
                     <p:nvPicPr>
@@ -5095,7 +5100,7 @@
                       <p:nvPr/>
                     </p:nvPicPr>
                     <p:blipFill>
-                      <a:blip r:embed="rId4"/>
+                      <a:blip r:embed="rId5"/>
                       <a:stretch>
                         <a:fillRect/>
                       </a:stretch>
@@ -5208,13 +5213,13 @@
             <a:avLst/>
           </a:prstGeom>
           <a:blipFill dpi="0" rotWithShape="1">
-            <a:blip r:embed="rId5">
+            <a:blip r:embed="rId6">
               <a:alphaModFix amt="85000"/>
               <a:lum bright="70000" contrast="-70000"/>
               <a:extLst>
                 <a:ext uri="{BEBA8EAE-BF5A-486C-A8C5-ECC9F3942E4B}">
                   <a14:imgProps xmlns:a14="http://schemas.microsoft.com/office/drawing/2010/main">
-                    <a14:imgLayer r:embed="rId6">
+                    <a14:imgLayer r:embed="rId7">
                       <a14:imgEffect>
                         <a14:sharpenSoften amount="61000"/>
                       </a14:imgEffect>
@@ -5289,13 +5294,13 @@
             <a:avLst/>
           </a:prstGeom>
           <a:blipFill dpi="0" rotWithShape="1">
-            <a:blip r:embed="rId5">
+            <a:blip r:embed="rId6">
               <a:alphaModFix amt="85000"/>
               <a:lum bright="70000" contrast="-70000"/>
               <a:extLst>
                 <a:ext uri="{BEBA8EAE-BF5A-486C-A8C5-ECC9F3942E4B}">
                   <a14:imgProps xmlns:a14="http://schemas.microsoft.com/office/drawing/2010/main">
-                    <a14:imgLayer r:embed="rId6">
+                    <a14:imgLayer r:embed="rId7">
                       <a14:imgEffect>
                         <a14:sharpenSoften amount="61000"/>
                       </a14:imgEffect>
@@ -5370,13 +5375,13 @@
             <a:avLst/>
           </a:prstGeom>
           <a:blipFill dpi="0" rotWithShape="1">
-            <a:blip r:embed="rId5">
+            <a:blip r:embed="rId6">
               <a:alphaModFix amt="85000"/>
               <a:lum bright="70000" contrast="-70000"/>
               <a:extLst>
                 <a:ext uri="{BEBA8EAE-BF5A-486C-A8C5-ECC9F3942E4B}">
                   <a14:imgProps xmlns:a14="http://schemas.microsoft.com/office/drawing/2010/main">
-                    <a14:imgLayer r:embed="rId6">
+                    <a14:imgLayer r:embed="rId7">
                       <a14:imgEffect>
                         <a14:sharpenSoften amount="61000"/>
                       </a14:imgEffect>
@@ -5469,7 +5474,7 @@
           <p:nvPr/>
         </p:nvPicPr>
         <p:blipFill rotWithShape="1">
-          <a:blip r:embed="rId7"/>
+          <a:blip r:embed="rId8"/>
           <a:srcRect r="687" b="-3"/>
           <a:stretch/>
         </p:blipFill>
@@ -5559,7 +5564,15 @@
             </a:r>
             <a:r>
               <a:rPr lang="en-US" dirty="0"/>
-              <a:t> </a:t>
+              <a:t> CAS-</a:t>
+            </a:r>
+            <a:r>
+              <a:rPr lang="en-US" dirty="0" err="1"/>
+              <a:t>Verantwortliche</a:t>
+            </a:r>
+            <a:r>
+              <a:rPr lang="en-US" dirty="0"/>
+              <a:t>, </a:t>
             </a:r>
             <a:r>
               <a:rPr lang="en-US" dirty="0" err="1"/>
@@ -5567,11 +5580,14 @@
             </a:r>
             <a:r>
               <a:rPr lang="en-US" dirty="0"/>
-              <a:t> / CAS-</a:t>
-            </a:r>
+              <a:t> und</a:t>
+            </a:r>
+            <a:br>
+              <a:rPr lang="en-US" dirty="0"/>
+            </a:br>
             <a:r>
               <a:rPr lang="en-US" dirty="0" err="1"/>
-              <a:t>Verantwortliche</a:t>
+              <a:t>Assistenz</a:t>
             </a:r>
             <a:endParaRPr lang="en-US" dirty="0"/>
           </a:p>
@@ -5609,7 +5625,7 @@
             <a:avLst/>
           </a:prstGeom>
           <a:blipFill dpi="0" rotWithShape="1">
-            <a:blip r:embed="rId8">
+            <a:blip r:embed="rId9">
               <a:duotone>
                 <a:schemeClr val="accent1">
                   <a:shade val="45000"/>
@@ -5795,7 +5811,7 @@
           </p:cNvGraphicFramePr>
           <p:nvPr>
             <p:custDataLst>
-              <p:tags r:id="rId1"/>
+              <p:tags r:id="rId2"/>
             </p:custDataLst>
             <p:extLst>
               <p:ext uri="{D42A27DB-BD31-4B8C-83A1-F6EECF244321}">
@@ -5812,12 +5828,12 @@
           <a:graphicData uri="http://schemas.openxmlformats.org/presentationml/2006/ole">
             <mc:AlternateContent xmlns:mc="http://schemas.openxmlformats.org/markup-compatibility/2006">
               <mc:Choice xmlns:v="urn:schemas-microsoft-com:vml" Requires="v">
-                <p:oleObj name="think-cell Slide" r:id="rId3" imgW="473" imgH="473" progId="TCLayout.ActiveDocument.1">
+                <p:oleObj spid="_x0000_s6145" name="think-cell Slide" r:id="rId4" imgW="473" imgH="473" progId="TCLayout.ActiveDocument.1">
                   <p:embed/>
                 </p:oleObj>
               </mc:Choice>
               <mc:Fallback>
-                <p:oleObj name="think-cell Slide" r:id="rId3" imgW="473" imgH="473" progId="TCLayout.ActiveDocument.1">
+                <p:oleObj name="think-cell Slide" r:id="rId4" imgW="473" imgH="473" progId="TCLayout.ActiveDocument.1">
                   <p:embed/>
                   <p:pic>
                     <p:nvPicPr>
@@ -5832,7 +5848,7 @@
                       <p:nvPr/>
                     </p:nvPicPr>
                     <p:blipFill>
-                      <a:blip r:embed="rId4"/>
+                      <a:blip r:embed="rId5"/>
                       <a:stretch>
                         <a:fillRect/>
                       </a:stretch>
@@ -5945,13 +5961,13 @@
             <a:avLst/>
           </a:prstGeom>
           <a:blipFill dpi="0" rotWithShape="1">
-            <a:blip r:embed="rId5">
+            <a:blip r:embed="rId6">
               <a:alphaModFix amt="85000"/>
               <a:lum bright="70000" contrast="-70000"/>
               <a:extLst>
                 <a:ext uri="{BEBA8EAE-BF5A-486C-A8C5-ECC9F3942E4B}">
                   <a14:imgProps xmlns:a14="http://schemas.microsoft.com/office/drawing/2010/main">
-                    <a14:imgLayer r:embed="rId6">
+                    <a14:imgLayer r:embed="rId7">
                       <a14:imgEffect>
                         <a14:sharpenSoften amount="61000"/>
                       </a14:imgEffect>
@@ -6026,13 +6042,13 @@
             <a:avLst/>
           </a:prstGeom>
           <a:blipFill dpi="0" rotWithShape="1">
-            <a:blip r:embed="rId5">
+            <a:blip r:embed="rId6">
               <a:alphaModFix amt="85000"/>
               <a:lum bright="70000" contrast="-70000"/>
               <a:extLst>
                 <a:ext uri="{BEBA8EAE-BF5A-486C-A8C5-ECC9F3942E4B}">
                   <a14:imgProps xmlns:a14="http://schemas.microsoft.com/office/drawing/2010/main">
-                    <a14:imgLayer r:embed="rId6">
+                    <a14:imgLayer r:embed="rId7">
                       <a14:imgEffect>
                         <a14:sharpenSoften amount="61000"/>
                       </a14:imgEffect>
@@ -6107,13 +6123,13 @@
             <a:avLst/>
           </a:prstGeom>
           <a:blipFill dpi="0" rotWithShape="1">
-            <a:blip r:embed="rId5">
+            <a:blip r:embed="rId6">
               <a:alphaModFix amt="85000"/>
               <a:lum bright="70000" contrast="-70000"/>
               <a:extLst>
                 <a:ext uri="{BEBA8EAE-BF5A-486C-A8C5-ECC9F3942E4B}">
                   <a14:imgProps xmlns:a14="http://schemas.microsoft.com/office/drawing/2010/main">
-                    <a14:imgLayer r:embed="rId6">
+                    <a14:imgLayer r:embed="rId7">
                       <a14:imgEffect>
                         <a14:sharpenSoften amount="61000"/>
                       </a14:imgEffect>
@@ -6186,38 +6202,11 @@
           <a:p>
             <a:r>
               <a:rPr lang="de-CH" dirty="0"/>
-              <a:t>Alles auf einem Blick</a:t>
-            </a:r>
-          </a:p>
-        </p:txBody>
-      </p:sp>
-      <p:pic>
-        <p:nvPicPr>
-          <p:cNvPr id="4" name="Grafik 25">
-            <a:extLst>
-              <a:ext uri="{FF2B5EF4-FFF2-40B4-BE49-F238E27FC236}">
-                <a16:creationId xmlns:a16="http://schemas.microsoft.com/office/drawing/2014/main" id="{96EA2318-EBF7-40A5-B665-4C05730BF4DF}"/>
-              </a:ext>
-            </a:extLst>
-          </p:cNvPr>
-          <p:cNvPicPr/>
-          <p:nvPr/>
-        </p:nvPicPr>
-        <p:blipFill rotWithShape="1">
-          <a:blip r:embed="rId7"/>
-          <a:srcRect l="13309" r="8219" b="-2"/>
-          <a:stretch/>
-        </p:blipFill>
-        <p:spPr>
-          <a:xfrm>
-            <a:off x="1007196" y="2265037"/>
-            <a:ext cx="5088800" cy="3907158"/>
-          </a:xfrm>
-          <a:prstGeom prst="rect">
-            <a:avLst/>
-          </a:prstGeom>
-        </p:spPr>
-      </p:pic>
+              <a:t>Alles auf einen Blick</a:t>
+            </a:r>
+          </a:p>
+        </p:txBody>
+      </p:sp>
       <p:sp>
         <p:nvSpPr>
           <p:cNvPr id="3" name="Content Placeholder 2">
@@ -6437,6 +6426,42 @@
           </a:p>
         </p:txBody>
       </p:sp>
+      <p:pic>
+        <p:nvPicPr>
+          <p:cNvPr id="10" name="Picture 9" descr="Table&#10;&#10;Description automatically generated">
+            <a:extLst>
+              <a:ext uri="{FF2B5EF4-FFF2-40B4-BE49-F238E27FC236}">
+                <a16:creationId xmlns:a16="http://schemas.microsoft.com/office/drawing/2014/main" id="{49E17580-1D15-7F47-A167-277C40882DAF}"/>
+              </a:ext>
+            </a:extLst>
+          </p:cNvPr>
+          <p:cNvPicPr>
+            <a:picLocks noChangeAspect="1"/>
+          </p:cNvPicPr>
+          <p:nvPr/>
+        </p:nvPicPr>
+        <p:blipFill>
+          <a:blip r:embed="rId9">
+            <a:extLst>
+              <a:ext uri="{28A0092B-C50C-407E-A947-70E740481C1C}">
+                <a14:useLocalDpi xmlns:a14="http://schemas.microsoft.com/office/drawing/2010/main" val="0"/>
+              </a:ext>
+            </a:extLst>
+          </a:blip>
+          <a:stretch>
+            <a:fillRect/>
+          </a:stretch>
+        </p:blipFill>
+        <p:spPr>
+          <a:xfrm>
+            <a:off x="984504" y="2220071"/>
+            <a:ext cx="4777941" cy="4292871"/>
+          </a:xfrm>
+          <a:prstGeom prst="rect">
+            <a:avLst/>
+          </a:prstGeom>
+        </p:spPr>
+      </p:pic>
     </p:spTree>
     <p:extLst>
       <p:ext uri="{BB962C8B-B14F-4D97-AF65-F5344CB8AC3E}">
@@ -6489,7 +6514,7 @@
           </p:cNvGraphicFramePr>
           <p:nvPr>
             <p:custDataLst>
-              <p:tags r:id="rId1"/>
+              <p:tags r:id="rId2"/>
             </p:custDataLst>
             <p:extLst>
               <p:ext uri="{D42A27DB-BD31-4B8C-83A1-F6EECF244321}">
@@ -6506,12 +6531,12 @@
           <a:graphicData uri="http://schemas.openxmlformats.org/presentationml/2006/ole">
             <mc:AlternateContent xmlns:mc="http://schemas.openxmlformats.org/markup-compatibility/2006">
               <mc:Choice xmlns:v="urn:schemas-microsoft-com:vml" Requires="v">
-                <p:oleObj name="think-cell Slide" r:id="rId3" imgW="473" imgH="473" progId="TCLayout.ActiveDocument.1">
+                <p:oleObj spid="_x0000_s7169" name="think-cell Slide" r:id="rId4" imgW="473" imgH="473" progId="TCLayout.ActiveDocument.1">
                   <p:embed/>
                 </p:oleObj>
               </mc:Choice>
               <mc:Fallback>
-                <p:oleObj name="think-cell Slide" r:id="rId3" imgW="473" imgH="473" progId="TCLayout.ActiveDocument.1">
+                <p:oleObj name="think-cell Slide" r:id="rId4" imgW="473" imgH="473" progId="TCLayout.ActiveDocument.1">
                   <p:embed/>
                   <p:pic>
                     <p:nvPicPr>
@@ -6526,7 +6551,7 @@
                       <p:nvPr/>
                     </p:nvPicPr>
                     <p:blipFill>
-                      <a:blip r:embed="rId4"/>
+                      <a:blip r:embed="rId5"/>
                       <a:stretch>
                         <a:fillRect/>
                       </a:stretch>
@@ -6639,13 +6664,13 @@
             <a:avLst/>
           </a:prstGeom>
           <a:blipFill dpi="0" rotWithShape="1">
-            <a:blip r:embed="rId5">
+            <a:blip r:embed="rId6">
               <a:alphaModFix amt="85000"/>
               <a:lum bright="70000" contrast="-70000"/>
               <a:extLst>
                 <a:ext uri="{BEBA8EAE-BF5A-486C-A8C5-ECC9F3942E4B}">
                   <a14:imgProps xmlns:a14="http://schemas.microsoft.com/office/drawing/2010/main">
-                    <a14:imgLayer r:embed="rId6">
+                    <a14:imgLayer r:embed="rId7">
                       <a14:imgEffect>
                         <a14:sharpenSoften amount="61000"/>
                       </a14:imgEffect>
@@ -6720,13 +6745,13 @@
             <a:avLst/>
           </a:prstGeom>
           <a:blipFill dpi="0" rotWithShape="1">
-            <a:blip r:embed="rId5">
+            <a:blip r:embed="rId6">
               <a:alphaModFix amt="85000"/>
               <a:lum bright="70000" contrast="-70000"/>
               <a:extLst>
                 <a:ext uri="{BEBA8EAE-BF5A-486C-A8C5-ECC9F3942E4B}">
                   <a14:imgProps xmlns:a14="http://schemas.microsoft.com/office/drawing/2010/main">
-                    <a14:imgLayer r:embed="rId6">
+                    <a14:imgLayer r:embed="rId7">
                       <a14:imgEffect>
                         <a14:sharpenSoften amount="61000"/>
                       </a14:imgEffect>
@@ -6801,13 +6826,13 @@
             <a:avLst/>
           </a:prstGeom>
           <a:blipFill dpi="0" rotWithShape="1">
-            <a:blip r:embed="rId5">
+            <a:blip r:embed="rId6">
               <a:alphaModFix amt="85000"/>
               <a:lum bright="70000" contrast="-70000"/>
               <a:extLst>
                 <a:ext uri="{BEBA8EAE-BF5A-486C-A8C5-ECC9F3942E4B}">
                   <a14:imgProps xmlns:a14="http://schemas.microsoft.com/office/drawing/2010/main">
-                    <a14:imgLayer r:embed="rId6">
+                    <a14:imgLayer r:embed="rId7">
                       <a14:imgEffect>
                         <a14:sharpenSoften amount="61000"/>
                       </a14:imgEffect>
@@ -6898,7 +6923,7 @@
           <p:nvPr/>
         </p:nvPicPr>
         <p:blipFill rotWithShape="1">
-          <a:blip r:embed="rId7"/>
+          <a:blip r:embed="rId8"/>
           <a:srcRect r="735" b="3"/>
           <a:stretch/>
         </p:blipFill>
@@ -6942,7 +6967,14 @@
           <a:p>
             <a:r>
               <a:rPr lang="de-CH" dirty="0"/>
-              <a:t>Benachrichtigungen möglich, welche über den externen E-Mail-Client versendet werden</a:t>
+              <a:t>Benachrichtigungen möglich, welche über den installierten</a:t>
+            </a:r>
+            <a:br>
+              <a:rPr lang="de-CH" dirty="0"/>
+            </a:br>
+            <a:r>
+              <a:rPr lang="de-CH" dirty="0"/>
+              <a:t>E-Mail-Client versendet werden</a:t>
             </a:r>
           </a:p>
           <a:p>
@@ -6985,7 +7017,7 @@
             <a:avLst/>
           </a:prstGeom>
           <a:blipFill dpi="0" rotWithShape="1">
-            <a:blip r:embed="rId8">
+            <a:blip r:embed="rId9">
               <a:duotone>
                 <a:schemeClr val="accent1">
                   <a:shade val="45000"/>
@@ -7163,7 +7195,7 @@
           </p:cNvGraphicFramePr>
           <p:nvPr>
             <p:custDataLst>
-              <p:tags r:id="rId1"/>
+              <p:tags r:id="rId2"/>
             </p:custDataLst>
             <p:extLst>
               <p:ext uri="{D42A27DB-BD31-4B8C-83A1-F6EECF244321}">
@@ -7180,12 +7212,12 @@
           <a:graphicData uri="http://schemas.openxmlformats.org/presentationml/2006/ole">
             <mc:AlternateContent xmlns:mc="http://schemas.openxmlformats.org/markup-compatibility/2006">
               <mc:Choice xmlns:v="urn:schemas-microsoft-com:vml" Requires="v">
-                <p:oleObj name="think-cell Slide" r:id="rId3" imgW="473" imgH="473" progId="TCLayout.ActiveDocument.1">
+                <p:oleObj spid="_x0000_s8193" name="think-cell Slide" r:id="rId4" imgW="473" imgH="473" progId="TCLayout.ActiveDocument.1">
                   <p:embed/>
                 </p:oleObj>
               </mc:Choice>
               <mc:Fallback>
-                <p:oleObj name="think-cell Slide" r:id="rId3" imgW="473" imgH="473" progId="TCLayout.ActiveDocument.1">
+                <p:oleObj name="think-cell Slide" r:id="rId4" imgW="473" imgH="473" progId="TCLayout.ActiveDocument.1">
                   <p:embed/>
                   <p:pic>
                     <p:nvPicPr>
@@ -7200,7 +7232,7 @@
                       <p:nvPr/>
                     </p:nvPicPr>
                     <p:blipFill>
-                      <a:blip r:embed="rId4"/>
+                      <a:blip r:embed="rId5"/>
                       <a:stretch>
                         <a:fillRect/>
                       </a:stretch>
@@ -7389,7 +7421,7 @@
           </p:cNvGraphicFramePr>
           <p:nvPr>
             <p:custDataLst>
-              <p:tags r:id="rId1"/>
+              <p:tags r:id="rId2"/>
             </p:custDataLst>
             <p:extLst>
               <p:ext uri="{D42A27DB-BD31-4B8C-83A1-F6EECF244321}">
@@ -7406,12 +7438,12 @@
           <a:graphicData uri="http://schemas.openxmlformats.org/presentationml/2006/ole">
             <mc:AlternateContent xmlns:mc="http://schemas.openxmlformats.org/markup-compatibility/2006">
               <mc:Choice xmlns:v="urn:schemas-microsoft-com:vml" Requires="v">
-                <p:oleObj name="think-cell Slide" r:id="rId3" imgW="473" imgH="473" progId="TCLayout.ActiveDocument.1">
+                <p:oleObj spid="_x0000_s9217" name="think-cell Slide" r:id="rId4" imgW="473" imgH="473" progId="TCLayout.ActiveDocument.1">
                   <p:embed/>
                 </p:oleObj>
               </mc:Choice>
               <mc:Fallback>
-                <p:oleObj name="think-cell Slide" r:id="rId3" imgW="473" imgH="473" progId="TCLayout.ActiveDocument.1">
+                <p:oleObj name="think-cell Slide" r:id="rId4" imgW="473" imgH="473" progId="TCLayout.ActiveDocument.1">
                   <p:embed/>
                   <p:pic>
                     <p:nvPicPr>
@@ -7426,7 +7458,7 @@
                       <p:nvPr/>
                     </p:nvPicPr>
                     <p:blipFill>
-                      <a:blip r:embed="rId4"/>
+                      <a:blip r:embed="rId5"/>
                       <a:stretch>
                         <a:fillRect/>
                       </a:stretch>
@@ -7492,7 +7524,7 @@
           </p:nvPr>
         </p:nvPicPr>
         <p:blipFill rotWithShape="1">
-          <a:blip r:embed="rId5">
+          <a:blip r:embed="rId6">
             <a:extLst>
               <a:ext uri="{28A0092B-C50C-407E-A947-70E740481C1C}">
                 <a14:useLocalDpi xmlns:a14="http://schemas.microsoft.com/office/drawing/2010/main" val="0"/>
@@ -7566,7 +7598,7 @@
           </p:cNvGraphicFramePr>
           <p:nvPr>
             <p:custDataLst>
-              <p:tags r:id="rId1"/>
+              <p:tags r:id="rId2"/>
             </p:custDataLst>
             <p:extLst>
               <p:ext uri="{D42A27DB-BD31-4B8C-83A1-F6EECF244321}">
@@ -7583,12 +7615,12 @@
           <a:graphicData uri="http://schemas.openxmlformats.org/presentationml/2006/ole">
             <mc:AlternateContent xmlns:mc="http://schemas.openxmlformats.org/markup-compatibility/2006">
               <mc:Choice xmlns:v="urn:schemas-microsoft-com:vml" Requires="v">
-                <p:oleObj name="think-cell Slide" r:id="rId3" imgW="473" imgH="473" progId="TCLayout.ActiveDocument.1">
+                <p:oleObj spid="_x0000_s10241" name="think-cell Slide" r:id="rId4" imgW="473" imgH="473" progId="TCLayout.ActiveDocument.1">
                   <p:embed/>
                 </p:oleObj>
               </mc:Choice>
               <mc:Fallback>
-                <p:oleObj name="think-cell Slide" r:id="rId3" imgW="473" imgH="473" progId="TCLayout.ActiveDocument.1">
+                <p:oleObj name="think-cell Slide" r:id="rId4" imgW="473" imgH="473" progId="TCLayout.ActiveDocument.1">
                   <p:embed/>
                   <p:pic>
                     <p:nvPicPr>
@@ -7603,7 +7635,7 @@
                       <p:nvPr/>
                     </p:nvPicPr>
                     <p:blipFill>
-                      <a:blip r:embed="rId4"/>
+                      <a:blip r:embed="rId5"/>
                       <a:stretch>
                         <a:fillRect/>
                       </a:stretch>
@@ -7788,15 +7820,6 @@
             </a:r>
           </a:p>
           <a:p>
-            <a:r>
-              <a:rPr lang="de-CH" dirty="0">
-                <a:solidFill>
-                  <a:srgbClr val="202124"/>
-                </a:solidFill>
-                <a:latin typeface="arial" panose="020B0604020202020204" pitchFamily="34" charset="0"/>
-              </a:rPr>
-              <a:t> </a:t>
-            </a:r>
             <a:r>
               <a:rPr lang="de-CH" dirty="0" err="1">
                 <a:solidFill>
@@ -8140,7 +8163,7 @@
           <p:nvPr/>
         </p:nvPicPr>
         <p:blipFill rotWithShape="1">
-          <a:blip r:embed="rId5">
+          <a:blip r:embed="rId6">
             <a:extLst>
               <a:ext uri="{28A0092B-C50C-407E-A947-70E740481C1C}">
                 <a14:useLocalDpi xmlns:a14="http://schemas.microsoft.com/office/drawing/2010/main" val="0"/>

--- a/docs/Equals_Präsentation_Gruppe 1.pptx
+++ b/docs/Equals_Präsentation_Gruppe 1.pptx
@@ -4,6 +4,9 @@
   <p:sldMasterIdLst>
     <p:sldMasterId id="2147483743" r:id="rId1"/>
   </p:sldMasterIdLst>
+  <p:notesMasterIdLst>
+    <p:notesMasterId r:id="rId11"/>
+  </p:notesMasterIdLst>
   <p:sldIdLst>
     <p:sldId id="256" r:id="rId2"/>
     <p:sldId id="258" r:id="rId3"/>
@@ -18,7 +21,7 @@
   <p:sldSz cx="12192000" cy="6858000"/>
   <p:notesSz cx="6858000" cy="9144000"/>
   <p:custDataLst>
-    <p:tags r:id="rId11"/>
+    <p:tags r:id="rId12"/>
   </p:custDataLst>
   <p:defaultTextStyle>
     <a:defPPr>
@@ -286,6 +289,1270 @@
 </pc:chgInfo>
 </file>
 
+<file path=ppt/notesMasters/notesMaster1.xml><?xml version="1.0" encoding="utf-8"?>
+<p:notesMaster xmlns:a="http://schemas.openxmlformats.org/drawingml/2006/main" xmlns:r="http://schemas.openxmlformats.org/officeDocument/2006/relationships" xmlns:p="http://schemas.openxmlformats.org/presentationml/2006/main">
+  <p:cSld>
+    <p:bg>
+      <p:bgRef idx="1001">
+        <a:schemeClr val="bg1"/>
+      </p:bgRef>
+    </p:bg>
+    <p:spTree>
+      <p:nvGrpSpPr>
+        <p:cNvPr id="1" name=""/>
+        <p:cNvGrpSpPr/>
+        <p:nvPr/>
+      </p:nvGrpSpPr>
+      <p:grpSpPr>
+        <a:xfrm>
+          <a:off x="0" y="0"/>
+          <a:ext cx="0" cy="0"/>
+          <a:chOff x="0" y="0"/>
+          <a:chExt cx="0" cy="0"/>
+        </a:xfrm>
+      </p:grpSpPr>
+      <p:sp>
+        <p:nvSpPr>
+          <p:cNvPr id="2" name="Kopfzeilenplatzhalter 1"/>
+          <p:cNvSpPr>
+            <a:spLocks noGrp="1"/>
+          </p:cNvSpPr>
+          <p:nvPr>
+            <p:ph type="hdr" sz="quarter"/>
+          </p:nvPr>
+        </p:nvSpPr>
+        <p:spPr>
+          <a:xfrm>
+            <a:off x="0" y="0"/>
+            <a:ext cx="2971800" cy="458788"/>
+          </a:xfrm>
+          <a:prstGeom prst="rect">
+            <a:avLst/>
+          </a:prstGeom>
+        </p:spPr>
+        <p:txBody>
+          <a:bodyPr vert="horz" lIns="91440" tIns="45720" rIns="91440" bIns="45720" rtlCol="0"/>
+          <a:lstStyle>
+            <a:lvl1pPr algn="l">
+              <a:defRPr sz="1200"/>
+            </a:lvl1pPr>
+          </a:lstStyle>
+          <a:p>
+            <a:endParaRPr lang="de-CH"/>
+          </a:p>
+        </p:txBody>
+      </p:sp>
+      <p:sp>
+        <p:nvSpPr>
+          <p:cNvPr id="3" name="Datumsplatzhalter 2"/>
+          <p:cNvSpPr>
+            <a:spLocks noGrp="1"/>
+          </p:cNvSpPr>
+          <p:nvPr>
+            <p:ph type="dt" idx="1"/>
+          </p:nvPr>
+        </p:nvSpPr>
+        <p:spPr>
+          <a:xfrm>
+            <a:off x="3884613" y="0"/>
+            <a:ext cx="2971800" cy="458788"/>
+          </a:xfrm>
+          <a:prstGeom prst="rect">
+            <a:avLst/>
+          </a:prstGeom>
+        </p:spPr>
+        <p:txBody>
+          <a:bodyPr vert="horz" lIns="91440" tIns="45720" rIns="91440" bIns="45720" rtlCol="0"/>
+          <a:lstStyle>
+            <a:lvl1pPr algn="r">
+              <a:defRPr sz="1200"/>
+            </a:lvl1pPr>
+          </a:lstStyle>
+          <a:p>
+            <a:fld id="{75D77AB6-F33D-41E7-B7FD-D6654F03E7FA}" type="datetimeFigureOut">
+              <a:rPr lang="de-CH" smtClean="0"/>
+              <a:t>23.03.2021</a:t>
+            </a:fld>
+            <a:endParaRPr lang="de-CH"/>
+          </a:p>
+        </p:txBody>
+      </p:sp>
+      <p:sp>
+        <p:nvSpPr>
+          <p:cNvPr id="4" name="Folienbildplatzhalter 3"/>
+          <p:cNvSpPr>
+            <a:spLocks noGrp="1" noRot="1" noChangeAspect="1"/>
+          </p:cNvSpPr>
+          <p:nvPr>
+            <p:ph type="sldImg" idx="2"/>
+          </p:nvPr>
+        </p:nvSpPr>
+        <p:spPr>
+          <a:xfrm>
+            <a:off x="685800" y="1143000"/>
+            <a:ext cx="5486400" cy="3086100"/>
+          </a:xfrm>
+          <a:prstGeom prst="rect">
+            <a:avLst/>
+          </a:prstGeom>
+          <a:noFill/>
+          <a:ln w="12700">
+            <a:solidFill>
+              <a:prstClr val="black"/>
+            </a:solidFill>
+          </a:ln>
+        </p:spPr>
+        <p:txBody>
+          <a:bodyPr vert="horz" lIns="91440" tIns="45720" rIns="91440" bIns="45720" rtlCol="0" anchor="ctr"/>
+          <a:lstStyle/>
+          <a:p>
+            <a:endParaRPr lang="de-CH"/>
+          </a:p>
+        </p:txBody>
+      </p:sp>
+      <p:sp>
+        <p:nvSpPr>
+          <p:cNvPr id="5" name="Notizenplatzhalter 4"/>
+          <p:cNvSpPr>
+            <a:spLocks noGrp="1"/>
+          </p:cNvSpPr>
+          <p:nvPr>
+            <p:ph type="body" sz="quarter" idx="3"/>
+          </p:nvPr>
+        </p:nvSpPr>
+        <p:spPr>
+          <a:xfrm>
+            <a:off x="685800" y="4400550"/>
+            <a:ext cx="5486400" cy="3600450"/>
+          </a:xfrm>
+          <a:prstGeom prst="rect">
+            <a:avLst/>
+          </a:prstGeom>
+        </p:spPr>
+        <p:txBody>
+          <a:bodyPr vert="horz" lIns="91440" tIns="45720" rIns="91440" bIns="45720" rtlCol="0"/>
+          <a:lstStyle/>
+          <a:p>
+            <a:pPr lvl="0"/>
+            <a:r>
+              <a:rPr lang="de-DE"/>
+              <a:t>Mastertextformat bearbeiten</a:t>
+            </a:r>
+          </a:p>
+          <a:p>
+            <a:pPr lvl="1"/>
+            <a:r>
+              <a:rPr lang="de-DE"/>
+              <a:t>Zweite Ebene</a:t>
+            </a:r>
+          </a:p>
+          <a:p>
+            <a:pPr lvl="2"/>
+            <a:r>
+              <a:rPr lang="de-DE"/>
+              <a:t>Dritte Ebene</a:t>
+            </a:r>
+          </a:p>
+          <a:p>
+            <a:pPr lvl="3"/>
+            <a:r>
+              <a:rPr lang="de-DE"/>
+              <a:t>Vierte Ebene</a:t>
+            </a:r>
+          </a:p>
+          <a:p>
+            <a:pPr lvl="4"/>
+            <a:r>
+              <a:rPr lang="de-DE"/>
+              <a:t>Fünfte Ebene</a:t>
+            </a:r>
+            <a:endParaRPr lang="de-CH"/>
+          </a:p>
+        </p:txBody>
+      </p:sp>
+      <p:sp>
+        <p:nvSpPr>
+          <p:cNvPr id="6" name="Fußzeilenplatzhalter 5"/>
+          <p:cNvSpPr>
+            <a:spLocks noGrp="1"/>
+          </p:cNvSpPr>
+          <p:nvPr>
+            <p:ph type="ftr" sz="quarter" idx="4"/>
+          </p:nvPr>
+        </p:nvSpPr>
+        <p:spPr>
+          <a:xfrm>
+            <a:off x="0" y="8685213"/>
+            <a:ext cx="2971800" cy="458787"/>
+          </a:xfrm>
+          <a:prstGeom prst="rect">
+            <a:avLst/>
+          </a:prstGeom>
+        </p:spPr>
+        <p:txBody>
+          <a:bodyPr vert="horz" lIns="91440" tIns="45720" rIns="91440" bIns="45720" rtlCol="0" anchor="b"/>
+          <a:lstStyle>
+            <a:lvl1pPr algn="l">
+              <a:defRPr sz="1200"/>
+            </a:lvl1pPr>
+          </a:lstStyle>
+          <a:p>
+            <a:endParaRPr lang="de-CH"/>
+          </a:p>
+        </p:txBody>
+      </p:sp>
+      <p:sp>
+        <p:nvSpPr>
+          <p:cNvPr id="7" name="Foliennummernplatzhalter 6"/>
+          <p:cNvSpPr>
+            <a:spLocks noGrp="1"/>
+          </p:cNvSpPr>
+          <p:nvPr>
+            <p:ph type="sldNum" sz="quarter" idx="5"/>
+          </p:nvPr>
+        </p:nvSpPr>
+        <p:spPr>
+          <a:xfrm>
+            <a:off x="3884613" y="8685213"/>
+            <a:ext cx="2971800" cy="458787"/>
+          </a:xfrm>
+          <a:prstGeom prst="rect">
+            <a:avLst/>
+          </a:prstGeom>
+        </p:spPr>
+        <p:txBody>
+          <a:bodyPr vert="horz" lIns="91440" tIns="45720" rIns="91440" bIns="45720" rtlCol="0" anchor="b"/>
+          <a:lstStyle>
+            <a:lvl1pPr algn="r">
+              <a:defRPr sz="1200"/>
+            </a:lvl1pPr>
+          </a:lstStyle>
+          <a:p>
+            <a:fld id="{7B6FFA1C-23A2-4092-8E76-E315B0E50888}" type="slidenum">
+              <a:rPr lang="de-CH" smtClean="0"/>
+              <a:t>‹Nr.›</a:t>
+            </a:fld>
+            <a:endParaRPr lang="de-CH"/>
+          </a:p>
+        </p:txBody>
+      </p:sp>
+    </p:spTree>
+    <p:extLst>
+      <p:ext uri="{BB962C8B-B14F-4D97-AF65-F5344CB8AC3E}">
+        <p14:creationId xmlns:p14="http://schemas.microsoft.com/office/powerpoint/2010/main" val="3452936673"/>
+      </p:ext>
+    </p:extLst>
+  </p:cSld>
+  <p:clrMap bg1="lt1" tx1="dk1" bg2="lt2" tx2="dk2" accent1="accent1" accent2="accent2" accent3="accent3" accent4="accent4" accent5="accent5" accent6="accent6" hlink="hlink" folHlink="folHlink"/>
+  <p:notesStyle>
+    <a:lvl1pPr marL="0" algn="l" defTabSz="914400" rtl="0" eaLnBrk="1" latinLnBrk="0" hangingPunct="1">
+      <a:defRPr sz="1200" kern="1200">
+        <a:solidFill>
+          <a:schemeClr val="tx1"/>
+        </a:solidFill>
+        <a:latin typeface="+mn-lt"/>
+        <a:ea typeface="+mn-ea"/>
+        <a:cs typeface="+mn-cs"/>
+      </a:defRPr>
+    </a:lvl1pPr>
+    <a:lvl2pPr marL="457200" algn="l" defTabSz="914400" rtl="0" eaLnBrk="1" latinLnBrk="0" hangingPunct="1">
+      <a:defRPr sz="1200" kern="1200">
+        <a:solidFill>
+          <a:schemeClr val="tx1"/>
+        </a:solidFill>
+        <a:latin typeface="+mn-lt"/>
+        <a:ea typeface="+mn-ea"/>
+        <a:cs typeface="+mn-cs"/>
+      </a:defRPr>
+    </a:lvl2pPr>
+    <a:lvl3pPr marL="914400" algn="l" defTabSz="914400" rtl="0" eaLnBrk="1" latinLnBrk="0" hangingPunct="1">
+      <a:defRPr sz="1200" kern="1200">
+        <a:solidFill>
+          <a:schemeClr val="tx1"/>
+        </a:solidFill>
+        <a:latin typeface="+mn-lt"/>
+        <a:ea typeface="+mn-ea"/>
+        <a:cs typeface="+mn-cs"/>
+      </a:defRPr>
+    </a:lvl3pPr>
+    <a:lvl4pPr marL="1371600" algn="l" defTabSz="914400" rtl="0" eaLnBrk="1" latinLnBrk="0" hangingPunct="1">
+      <a:defRPr sz="1200" kern="1200">
+        <a:solidFill>
+          <a:schemeClr val="tx1"/>
+        </a:solidFill>
+        <a:latin typeface="+mn-lt"/>
+        <a:ea typeface="+mn-ea"/>
+        <a:cs typeface="+mn-cs"/>
+      </a:defRPr>
+    </a:lvl4pPr>
+    <a:lvl5pPr marL="1828800" algn="l" defTabSz="914400" rtl="0" eaLnBrk="1" latinLnBrk="0" hangingPunct="1">
+      <a:defRPr sz="1200" kern="1200">
+        <a:solidFill>
+          <a:schemeClr val="tx1"/>
+        </a:solidFill>
+        <a:latin typeface="+mn-lt"/>
+        <a:ea typeface="+mn-ea"/>
+        <a:cs typeface="+mn-cs"/>
+      </a:defRPr>
+    </a:lvl5pPr>
+    <a:lvl6pPr marL="2286000" algn="l" defTabSz="914400" rtl="0" eaLnBrk="1" latinLnBrk="0" hangingPunct="1">
+      <a:defRPr sz="1200" kern="1200">
+        <a:solidFill>
+          <a:schemeClr val="tx1"/>
+        </a:solidFill>
+        <a:latin typeface="+mn-lt"/>
+        <a:ea typeface="+mn-ea"/>
+        <a:cs typeface="+mn-cs"/>
+      </a:defRPr>
+    </a:lvl6pPr>
+    <a:lvl7pPr marL="2743200" algn="l" defTabSz="914400" rtl="0" eaLnBrk="1" latinLnBrk="0" hangingPunct="1">
+      <a:defRPr sz="1200" kern="1200">
+        <a:solidFill>
+          <a:schemeClr val="tx1"/>
+        </a:solidFill>
+        <a:latin typeface="+mn-lt"/>
+        <a:ea typeface="+mn-ea"/>
+        <a:cs typeface="+mn-cs"/>
+      </a:defRPr>
+    </a:lvl7pPr>
+    <a:lvl8pPr marL="3200400" algn="l" defTabSz="914400" rtl="0" eaLnBrk="1" latinLnBrk="0" hangingPunct="1">
+      <a:defRPr sz="1200" kern="1200">
+        <a:solidFill>
+          <a:schemeClr val="tx1"/>
+        </a:solidFill>
+        <a:latin typeface="+mn-lt"/>
+        <a:ea typeface="+mn-ea"/>
+        <a:cs typeface="+mn-cs"/>
+      </a:defRPr>
+    </a:lvl8pPr>
+    <a:lvl9pPr marL="3657600" algn="l" defTabSz="914400" rtl="0" eaLnBrk="1" latinLnBrk="0" hangingPunct="1">
+      <a:defRPr sz="1200" kern="1200">
+        <a:solidFill>
+          <a:schemeClr val="tx1"/>
+        </a:solidFill>
+        <a:latin typeface="+mn-lt"/>
+        <a:ea typeface="+mn-ea"/>
+        <a:cs typeface="+mn-cs"/>
+      </a:defRPr>
+    </a:lvl9pPr>
+  </p:notesStyle>
+</p:notesMaster>
+</file>
+
+<file path=ppt/notesSlides/notesSlide1.xml><?xml version="1.0" encoding="utf-8"?>
+<p:notes xmlns:a="http://schemas.openxmlformats.org/drawingml/2006/main" xmlns:r="http://schemas.openxmlformats.org/officeDocument/2006/relationships" xmlns:p="http://schemas.openxmlformats.org/presentationml/2006/main">
+  <p:cSld>
+    <p:spTree>
+      <p:nvGrpSpPr>
+        <p:cNvPr id="1" name=""/>
+        <p:cNvGrpSpPr/>
+        <p:nvPr/>
+      </p:nvGrpSpPr>
+      <p:grpSpPr>
+        <a:xfrm>
+          <a:off x="0" y="0"/>
+          <a:ext cx="0" cy="0"/>
+          <a:chOff x="0" y="0"/>
+          <a:chExt cx="0" cy="0"/>
+        </a:xfrm>
+      </p:grpSpPr>
+      <p:sp>
+        <p:nvSpPr>
+          <p:cNvPr id="2" name="Folienbildplatzhalter 1"/>
+          <p:cNvSpPr>
+            <a:spLocks noGrp="1" noRot="1" noChangeAspect="1"/>
+          </p:cNvSpPr>
+          <p:nvPr>
+            <p:ph type="sldImg"/>
+          </p:nvPr>
+        </p:nvSpPr>
+        <p:spPr/>
+      </p:sp>
+      <p:sp>
+        <p:nvSpPr>
+          <p:cNvPr id="3" name="Notizenplatzhalter 2"/>
+          <p:cNvSpPr>
+            <a:spLocks noGrp="1"/>
+          </p:cNvSpPr>
+          <p:nvPr>
+            <p:ph type="body" idx="1"/>
+          </p:nvPr>
+        </p:nvSpPr>
+        <p:spPr/>
+        <p:txBody>
+          <a:bodyPr/>
+          <a:lstStyle/>
+          <a:p>
+            <a:pPr marL="171450" indent="-171450">
+              <a:buFontTx/>
+              <a:buChar char="-"/>
+            </a:pPr>
+            <a:r>
+              <a:rPr lang="de-DE" dirty="0" err="1"/>
+              <a:t>UseCases</a:t>
+            </a:r>
+            <a:r>
+              <a:rPr lang="de-DE" dirty="0"/>
+              <a:t> aus Aufgabenstellung analysiert</a:t>
+            </a:r>
+          </a:p>
+          <a:p>
+            <a:pPr marL="171450" indent="-171450">
+              <a:buFontTx/>
+              <a:buChar char="-"/>
+            </a:pPr>
+            <a:r>
+              <a:rPr lang="de-DE" dirty="0"/>
+              <a:t>SPA Frontend mit Java Backend</a:t>
+            </a:r>
+          </a:p>
+          <a:p>
+            <a:pPr marL="171450" indent="-171450">
+              <a:buFontTx/>
+              <a:buChar char="-"/>
+            </a:pPr>
+            <a:r>
+              <a:rPr lang="de-DE" dirty="0"/>
+              <a:t>3-Schichten Architektur mit Controller, Business und Repository-Layer</a:t>
+            </a:r>
+          </a:p>
+          <a:p>
+            <a:pPr marL="171450" indent="-171450">
+              <a:buFontTx/>
+              <a:buChar char="-"/>
+            </a:pPr>
+            <a:r>
+              <a:rPr lang="de-DE" dirty="0"/>
+              <a:t>REST-Call wir gefiltert (Authentifizierung, CORS) und an den jeweiligen Controller weitergeleitet</a:t>
+            </a:r>
+          </a:p>
+          <a:p>
+            <a:pPr marL="171450" indent="-171450">
+              <a:buFontTx/>
+              <a:buChar char="-"/>
+            </a:pPr>
+            <a:r>
+              <a:rPr lang="de-DE" dirty="0"/>
+              <a:t>Der Controller spricht den Service an. Der Service spricht die Repository-Schicht an, dort werden die Daten aus der DB gelesen und die Modelle instanziiert</a:t>
+            </a:r>
+          </a:p>
+          <a:p>
+            <a:pPr marL="171450" indent="-171450">
+              <a:buFontTx/>
+              <a:buChar char="-"/>
+            </a:pPr>
+            <a:r>
+              <a:rPr lang="de-DE" dirty="0"/>
+              <a:t>Die Business-Klassen entsprechen dem vorgegebenen DB – Schema. Zusätzlich wurden die Klassen </a:t>
+            </a:r>
+            <a:r>
+              <a:rPr lang="de-DE" dirty="0" err="1"/>
+              <a:t>CourseRating</a:t>
+            </a:r>
+            <a:r>
+              <a:rPr lang="de-DE" dirty="0"/>
+              <a:t> und </a:t>
+            </a:r>
+            <a:r>
+              <a:rPr lang="de-DE" dirty="0" err="1"/>
+              <a:t>StudentCourseRating</a:t>
+            </a:r>
+            <a:r>
+              <a:rPr lang="de-DE" dirty="0"/>
+              <a:t> erstellt, damit alle benötigten Informationen in einer Klasse sind</a:t>
+            </a:r>
+            <a:endParaRPr lang="de-CH" dirty="0"/>
+          </a:p>
+        </p:txBody>
+      </p:sp>
+      <p:sp>
+        <p:nvSpPr>
+          <p:cNvPr id="4" name="Foliennummernplatzhalter 3"/>
+          <p:cNvSpPr>
+            <a:spLocks noGrp="1"/>
+          </p:cNvSpPr>
+          <p:nvPr>
+            <p:ph type="sldNum" sz="quarter" idx="5"/>
+          </p:nvPr>
+        </p:nvSpPr>
+        <p:spPr/>
+        <p:txBody>
+          <a:bodyPr/>
+          <a:lstStyle/>
+          <a:p>
+            <a:fld id="{7B6FFA1C-23A2-4092-8E76-E315B0E50888}" type="slidenum">
+              <a:rPr lang="de-CH" smtClean="0"/>
+              <a:t>2</a:t>
+            </a:fld>
+            <a:endParaRPr lang="de-CH"/>
+          </a:p>
+        </p:txBody>
+      </p:sp>
+    </p:spTree>
+    <p:extLst>
+      <p:ext uri="{BB962C8B-B14F-4D97-AF65-F5344CB8AC3E}">
+        <p14:creationId xmlns:p14="http://schemas.microsoft.com/office/powerpoint/2010/main" val="2772333064"/>
+      </p:ext>
+    </p:extLst>
+  </p:cSld>
+  <p:clrMapOvr>
+    <a:masterClrMapping/>
+  </p:clrMapOvr>
+</p:notes>
+</file>
+
+<file path=ppt/notesSlides/notesSlide2.xml><?xml version="1.0" encoding="utf-8"?>
+<p:notes xmlns:a="http://schemas.openxmlformats.org/drawingml/2006/main" xmlns:r="http://schemas.openxmlformats.org/officeDocument/2006/relationships" xmlns:p="http://schemas.openxmlformats.org/presentationml/2006/main">
+  <p:cSld>
+    <p:spTree>
+      <p:nvGrpSpPr>
+        <p:cNvPr id="1" name=""/>
+        <p:cNvGrpSpPr/>
+        <p:nvPr/>
+      </p:nvGrpSpPr>
+      <p:grpSpPr>
+        <a:xfrm>
+          <a:off x="0" y="0"/>
+          <a:ext cx="0" cy="0"/>
+          <a:chOff x="0" y="0"/>
+          <a:chExt cx="0" cy="0"/>
+        </a:xfrm>
+      </p:grpSpPr>
+      <p:sp>
+        <p:nvSpPr>
+          <p:cNvPr id="2" name="Folienbildplatzhalter 1"/>
+          <p:cNvSpPr>
+            <a:spLocks noGrp="1" noRot="1" noChangeAspect="1"/>
+          </p:cNvSpPr>
+          <p:nvPr>
+            <p:ph type="sldImg"/>
+          </p:nvPr>
+        </p:nvSpPr>
+        <p:spPr/>
+      </p:sp>
+      <p:sp>
+        <p:nvSpPr>
+          <p:cNvPr id="3" name="Notizenplatzhalter 2"/>
+          <p:cNvSpPr>
+            <a:spLocks noGrp="1"/>
+          </p:cNvSpPr>
+          <p:nvPr>
+            <p:ph type="body" idx="1"/>
+          </p:nvPr>
+        </p:nvSpPr>
+        <p:spPr/>
+        <p:txBody>
+          <a:bodyPr/>
+          <a:lstStyle/>
+          <a:p>
+            <a:pPr marL="171450" indent="-171450">
+              <a:buFontTx/>
+              <a:buChar char="-"/>
+            </a:pPr>
+            <a:r>
+              <a:rPr lang="de-DE" dirty="0"/>
+              <a:t>Überblick als Zentrales Dashboard Rollenübergreifend</a:t>
+            </a:r>
+          </a:p>
+          <a:p>
+            <a:pPr marL="171450" indent="-171450">
+              <a:buFontTx/>
+              <a:buChar char="-"/>
+            </a:pPr>
+            <a:r>
+              <a:rPr lang="de-DE" dirty="0"/>
+              <a:t>Kursübersicht für die Rollen Head, Professor und </a:t>
+            </a:r>
+            <a:r>
+              <a:rPr lang="de-DE" dirty="0" err="1"/>
+              <a:t>Assistant</a:t>
+            </a:r>
+            <a:r>
+              <a:rPr lang="de-DE" dirty="0"/>
+              <a:t> aus der gleichen Vorlage, jedoch werden unterschiedliche Daten dargestellt (nur die Dozenten Kurse z.B.)</a:t>
+            </a:r>
+          </a:p>
+          <a:p>
+            <a:pPr marL="171450" indent="-171450">
+              <a:buFontTx/>
+              <a:buChar char="-"/>
+            </a:pPr>
+            <a:r>
+              <a:rPr lang="de-DE" dirty="0"/>
+              <a:t>Eigene View für die Notenübersicht des Studierenden</a:t>
+            </a:r>
+          </a:p>
+          <a:p>
+            <a:pPr marL="171450" indent="-171450">
+              <a:buFontTx/>
+              <a:buChar char="-"/>
+            </a:pPr>
+            <a:r>
+              <a:rPr lang="de-DE" dirty="0"/>
+              <a:t>Benachrichtigungsmöglichkeit für die Assistenz</a:t>
+            </a:r>
+          </a:p>
+          <a:p>
+            <a:pPr marL="171450" indent="-171450">
+              <a:buFontTx/>
+              <a:buChar char="-"/>
+            </a:pPr>
+            <a:r>
+              <a:rPr lang="de-DE" dirty="0"/>
+              <a:t>Allg. wenige </a:t>
+            </a:r>
+            <a:r>
+              <a:rPr lang="de-DE" dirty="0" err="1"/>
+              <a:t>clicks</a:t>
+            </a:r>
+            <a:endParaRPr lang="de-CH" dirty="0"/>
+          </a:p>
+        </p:txBody>
+      </p:sp>
+      <p:sp>
+        <p:nvSpPr>
+          <p:cNvPr id="4" name="Foliennummernplatzhalter 3"/>
+          <p:cNvSpPr>
+            <a:spLocks noGrp="1"/>
+          </p:cNvSpPr>
+          <p:nvPr>
+            <p:ph type="sldNum" sz="quarter" idx="5"/>
+          </p:nvPr>
+        </p:nvSpPr>
+        <p:spPr/>
+        <p:txBody>
+          <a:bodyPr/>
+          <a:lstStyle/>
+          <a:p>
+            <a:fld id="{7B6FFA1C-23A2-4092-8E76-E315B0E50888}" type="slidenum">
+              <a:rPr lang="de-CH" smtClean="0"/>
+              <a:t>3</a:t>
+            </a:fld>
+            <a:endParaRPr lang="de-CH"/>
+          </a:p>
+        </p:txBody>
+      </p:sp>
+    </p:spTree>
+    <p:extLst>
+      <p:ext uri="{BB962C8B-B14F-4D97-AF65-F5344CB8AC3E}">
+        <p14:creationId xmlns:p14="http://schemas.microsoft.com/office/powerpoint/2010/main" val="609695800"/>
+      </p:ext>
+    </p:extLst>
+  </p:cSld>
+  <p:clrMapOvr>
+    <a:masterClrMapping/>
+  </p:clrMapOvr>
+</p:notes>
+</file>
+
+<file path=ppt/notesSlides/notesSlide3.xml><?xml version="1.0" encoding="utf-8"?>
+<p:notes xmlns:a="http://schemas.openxmlformats.org/drawingml/2006/main" xmlns:r="http://schemas.openxmlformats.org/officeDocument/2006/relationships" xmlns:p="http://schemas.openxmlformats.org/presentationml/2006/main">
+  <p:cSld>
+    <p:spTree>
+      <p:nvGrpSpPr>
+        <p:cNvPr id="1" name=""/>
+        <p:cNvGrpSpPr/>
+        <p:nvPr/>
+      </p:nvGrpSpPr>
+      <p:grpSpPr>
+        <a:xfrm>
+          <a:off x="0" y="0"/>
+          <a:ext cx="0" cy="0"/>
+          <a:chOff x="0" y="0"/>
+          <a:chExt cx="0" cy="0"/>
+        </a:xfrm>
+      </p:grpSpPr>
+      <p:sp>
+        <p:nvSpPr>
+          <p:cNvPr id="2" name="Folienbildplatzhalter 1"/>
+          <p:cNvSpPr>
+            <a:spLocks noGrp="1" noRot="1" noChangeAspect="1"/>
+          </p:cNvSpPr>
+          <p:nvPr>
+            <p:ph type="sldImg"/>
+          </p:nvPr>
+        </p:nvSpPr>
+        <p:spPr/>
+      </p:sp>
+      <p:sp>
+        <p:nvSpPr>
+          <p:cNvPr id="3" name="Notizenplatzhalter 2"/>
+          <p:cNvSpPr>
+            <a:spLocks noGrp="1"/>
+          </p:cNvSpPr>
+          <p:nvPr>
+            <p:ph type="body" idx="1"/>
+          </p:nvPr>
+        </p:nvSpPr>
+        <p:spPr/>
+        <p:txBody>
+          <a:bodyPr/>
+          <a:lstStyle/>
+          <a:p>
+            <a:pPr marL="171450" indent="-171450">
+              <a:buFontTx/>
+              <a:buChar char="-"/>
+            </a:pPr>
+            <a:r>
+              <a:rPr lang="de-DE" dirty="0"/>
+              <a:t>Ausgegraute Module</a:t>
+            </a:r>
+          </a:p>
+          <a:p>
+            <a:pPr marL="171450" indent="-171450">
+              <a:buFontTx/>
+              <a:buChar char="-"/>
+            </a:pPr>
+            <a:r>
+              <a:rPr lang="de-DE" dirty="0"/>
+              <a:t>Fehlende Noten</a:t>
+            </a:r>
+          </a:p>
+          <a:p>
+            <a:pPr marL="171450" indent="-171450">
+              <a:buFontTx/>
+              <a:buChar char="-"/>
+            </a:pPr>
+            <a:r>
+              <a:rPr lang="de-DE" dirty="0"/>
+              <a:t>Rolle pro CAS</a:t>
+            </a:r>
+          </a:p>
+          <a:p>
+            <a:pPr marL="171450" indent="-171450">
+              <a:buFontTx/>
+              <a:buChar char="-"/>
+            </a:pPr>
+            <a:r>
+              <a:rPr lang="de-DE" dirty="0"/>
+              <a:t>Filter nach Semester und fehlende Noten</a:t>
+            </a:r>
+          </a:p>
+          <a:p>
+            <a:pPr marL="171450" indent="-171450">
+              <a:buFontTx/>
+              <a:buChar char="-"/>
+            </a:pPr>
+            <a:endParaRPr lang="de-CH" dirty="0"/>
+          </a:p>
+        </p:txBody>
+      </p:sp>
+      <p:sp>
+        <p:nvSpPr>
+          <p:cNvPr id="4" name="Foliennummernplatzhalter 3"/>
+          <p:cNvSpPr>
+            <a:spLocks noGrp="1"/>
+          </p:cNvSpPr>
+          <p:nvPr>
+            <p:ph type="sldNum" sz="quarter" idx="5"/>
+          </p:nvPr>
+        </p:nvSpPr>
+        <p:spPr/>
+        <p:txBody>
+          <a:bodyPr/>
+          <a:lstStyle/>
+          <a:p>
+            <a:fld id="{7B6FFA1C-23A2-4092-8E76-E315B0E50888}" type="slidenum">
+              <a:rPr lang="de-CH" smtClean="0"/>
+              <a:t>4</a:t>
+            </a:fld>
+            <a:endParaRPr lang="de-CH"/>
+          </a:p>
+        </p:txBody>
+      </p:sp>
+    </p:spTree>
+    <p:extLst>
+      <p:ext uri="{BB962C8B-B14F-4D97-AF65-F5344CB8AC3E}">
+        <p14:creationId xmlns:p14="http://schemas.microsoft.com/office/powerpoint/2010/main" val="2906629579"/>
+      </p:ext>
+    </p:extLst>
+  </p:cSld>
+  <p:clrMapOvr>
+    <a:masterClrMapping/>
+  </p:clrMapOvr>
+</p:notes>
+</file>
+
+<file path=ppt/notesSlides/notesSlide4.xml><?xml version="1.0" encoding="utf-8"?>
+<p:notes xmlns:a="http://schemas.openxmlformats.org/drawingml/2006/main" xmlns:r="http://schemas.openxmlformats.org/officeDocument/2006/relationships" xmlns:p="http://schemas.openxmlformats.org/presentationml/2006/main">
+  <p:cSld>
+    <p:spTree>
+      <p:nvGrpSpPr>
+        <p:cNvPr id="1" name=""/>
+        <p:cNvGrpSpPr/>
+        <p:nvPr/>
+      </p:nvGrpSpPr>
+      <p:grpSpPr>
+        <a:xfrm>
+          <a:off x="0" y="0"/>
+          <a:ext cx="0" cy="0"/>
+          <a:chOff x="0" y="0"/>
+          <a:chExt cx="0" cy="0"/>
+        </a:xfrm>
+      </p:grpSpPr>
+      <p:sp>
+        <p:nvSpPr>
+          <p:cNvPr id="2" name="Folienbildplatzhalter 1"/>
+          <p:cNvSpPr>
+            <a:spLocks noGrp="1" noRot="1" noChangeAspect="1"/>
+          </p:cNvSpPr>
+          <p:nvPr>
+            <p:ph type="sldImg"/>
+          </p:nvPr>
+        </p:nvSpPr>
+        <p:spPr/>
+      </p:sp>
+      <p:sp>
+        <p:nvSpPr>
+          <p:cNvPr id="3" name="Notizenplatzhalter 2"/>
+          <p:cNvSpPr>
+            <a:spLocks noGrp="1"/>
+          </p:cNvSpPr>
+          <p:nvPr>
+            <p:ph type="body" idx="1"/>
+          </p:nvPr>
+        </p:nvSpPr>
+        <p:spPr/>
+        <p:txBody>
+          <a:bodyPr/>
+          <a:lstStyle/>
+          <a:p>
+            <a:pPr marL="171450" indent="-171450">
+              <a:buFontTx/>
+              <a:buChar char="-"/>
+            </a:pPr>
+            <a:r>
+              <a:rPr lang="de-DE" dirty="0"/>
+              <a:t>Statistik dynamisch</a:t>
+            </a:r>
+          </a:p>
+          <a:p>
+            <a:pPr marL="171450" indent="-171450">
+              <a:buFontTx/>
+              <a:buChar char="-"/>
+            </a:pPr>
+            <a:r>
+              <a:rPr lang="de-DE" dirty="0"/>
+              <a:t>Blau -&gt; Durchschnitt</a:t>
+            </a:r>
+          </a:p>
+          <a:p>
+            <a:pPr marL="171450" indent="-171450">
+              <a:buFontTx/>
+              <a:buChar char="-"/>
+            </a:pPr>
+            <a:r>
+              <a:rPr lang="de-DE" dirty="0"/>
+              <a:t>Grün -&gt; Bestanden</a:t>
+            </a:r>
+          </a:p>
+          <a:p>
+            <a:pPr marL="171450" indent="-171450">
+              <a:buFontTx/>
+              <a:buChar char="-"/>
+            </a:pPr>
+            <a:r>
+              <a:rPr lang="de-DE" dirty="0"/>
+              <a:t>Gelb -&gt; nicht bestanden</a:t>
+            </a:r>
+          </a:p>
+          <a:p>
+            <a:pPr marL="171450" indent="-171450">
+              <a:buFontTx/>
+              <a:buChar char="-"/>
+            </a:pPr>
+            <a:r>
+              <a:rPr lang="de-DE" dirty="0"/>
+              <a:t>Rot -&gt; fehlende Noten</a:t>
+            </a:r>
+          </a:p>
+          <a:p>
+            <a:pPr marL="171450" indent="-171450">
+              <a:buFontTx/>
+              <a:buChar char="-"/>
+            </a:pPr>
+            <a:r>
+              <a:rPr lang="de-DE" dirty="0"/>
+              <a:t>Grau -&gt; aktuell bearbeitetes Eingabefeld</a:t>
+            </a:r>
+            <a:endParaRPr lang="de-CH" dirty="0"/>
+          </a:p>
+        </p:txBody>
+      </p:sp>
+      <p:sp>
+        <p:nvSpPr>
+          <p:cNvPr id="4" name="Foliennummernplatzhalter 3"/>
+          <p:cNvSpPr>
+            <a:spLocks noGrp="1"/>
+          </p:cNvSpPr>
+          <p:nvPr>
+            <p:ph type="sldNum" sz="quarter" idx="5"/>
+          </p:nvPr>
+        </p:nvSpPr>
+        <p:spPr/>
+        <p:txBody>
+          <a:bodyPr/>
+          <a:lstStyle/>
+          <a:p>
+            <a:fld id="{7B6FFA1C-23A2-4092-8E76-E315B0E50888}" type="slidenum">
+              <a:rPr lang="de-CH" smtClean="0"/>
+              <a:t>5</a:t>
+            </a:fld>
+            <a:endParaRPr lang="de-CH"/>
+          </a:p>
+        </p:txBody>
+      </p:sp>
+    </p:spTree>
+    <p:extLst>
+      <p:ext uri="{BB962C8B-B14F-4D97-AF65-F5344CB8AC3E}">
+        <p14:creationId xmlns:p14="http://schemas.microsoft.com/office/powerpoint/2010/main" val="3376014583"/>
+      </p:ext>
+    </p:extLst>
+  </p:cSld>
+  <p:clrMapOvr>
+    <a:masterClrMapping/>
+  </p:clrMapOvr>
+</p:notes>
+</file>
+
+<file path=ppt/notesSlides/notesSlide5.xml><?xml version="1.0" encoding="utf-8"?>
+<p:notes xmlns:a="http://schemas.openxmlformats.org/drawingml/2006/main" xmlns:r="http://schemas.openxmlformats.org/officeDocument/2006/relationships" xmlns:p="http://schemas.openxmlformats.org/presentationml/2006/main">
+  <p:cSld>
+    <p:spTree>
+      <p:nvGrpSpPr>
+        <p:cNvPr id="1" name=""/>
+        <p:cNvGrpSpPr/>
+        <p:nvPr/>
+      </p:nvGrpSpPr>
+      <p:grpSpPr>
+        <a:xfrm>
+          <a:off x="0" y="0"/>
+          <a:ext cx="0" cy="0"/>
+          <a:chOff x="0" y="0"/>
+          <a:chExt cx="0" cy="0"/>
+        </a:xfrm>
+      </p:grpSpPr>
+      <p:sp>
+        <p:nvSpPr>
+          <p:cNvPr id="2" name="Folienbildplatzhalter 1"/>
+          <p:cNvSpPr>
+            <a:spLocks noGrp="1" noRot="1" noChangeAspect="1"/>
+          </p:cNvSpPr>
+          <p:nvPr>
+            <p:ph type="sldImg"/>
+          </p:nvPr>
+        </p:nvSpPr>
+        <p:spPr/>
+      </p:sp>
+      <p:sp>
+        <p:nvSpPr>
+          <p:cNvPr id="3" name="Notizenplatzhalter 2"/>
+          <p:cNvSpPr>
+            <a:spLocks noGrp="1"/>
+          </p:cNvSpPr>
+          <p:nvPr>
+            <p:ph type="body" idx="1"/>
+          </p:nvPr>
+        </p:nvSpPr>
+        <p:spPr/>
+        <p:txBody>
+          <a:bodyPr/>
+          <a:lstStyle/>
+          <a:p>
+            <a:r>
+              <a:rPr lang="de-DE" dirty="0"/>
+              <a:t>Versenden von E-Mail via E-Mail-Client aus Applikation</a:t>
+            </a:r>
+            <a:endParaRPr lang="de-CH" dirty="0"/>
+          </a:p>
+        </p:txBody>
+      </p:sp>
+      <p:sp>
+        <p:nvSpPr>
+          <p:cNvPr id="4" name="Foliennummernplatzhalter 3"/>
+          <p:cNvSpPr>
+            <a:spLocks noGrp="1"/>
+          </p:cNvSpPr>
+          <p:nvPr>
+            <p:ph type="sldNum" sz="quarter" idx="5"/>
+          </p:nvPr>
+        </p:nvSpPr>
+        <p:spPr/>
+        <p:txBody>
+          <a:bodyPr/>
+          <a:lstStyle/>
+          <a:p>
+            <a:fld id="{7B6FFA1C-23A2-4092-8E76-E315B0E50888}" type="slidenum">
+              <a:rPr lang="de-CH" smtClean="0"/>
+              <a:t>6</a:t>
+            </a:fld>
+            <a:endParaRPr lang="de-CH"/>
+          </a:p>
+        </p:txBody>
+      </p:sp>
+    </p:spTree>
+    <p:extLst>
+      <p:ext uri="{BB962C8B-B14F-4D97-AF65-F5344CB8AC3E}">
+        <p14:creationId xmlns:p14="http://schemas.microsoft.com/office/powerpoint/2010/main" val="290381931"/>
+      </p:ext>
+    </p:extLst>
+  </p:cSld>
+  <p:clrMapOvr>
+    <a:masterClrMapping/>
+  </p:clrMapOvr>
+</p:notes>
+</file>
+
+<file path=ppt/notesSlides/notesSlide6.xml><?xml version="1.0" encoding="utf-8"?>
+<p:notes xmlns:a="http://schemas.openxmlformats.org/drawingml/2006/main" xmlns:r="http://schemas.openxmlformats.org/officeDocument/2006/relationships" xmlns:p="http://schemas.openxmlformats.org/presentationml/2006/main">
+  <p:cSld>
+    <p:spTree>
+      <p:nvGrpSpPr>
+        <p:cNvPr id="1" name=""/>
+        <p:cNvGrpSpPr/>
+        <p:nvPr/>
+      </p:nvGrpSpPr>
+      <p:grpSpPr>
+        <a:xfrm>
+          <a:off x="0" y="0"/>
+          <a:ext cx="0" cy="0"/>
+          <a:chOff x="0" y="0"/>
+          <a:chExt cx="0" cy="0"/>
+        </a:xfrm>
+      </p:grpSpPr>
+      <p:sp>
+        <p:nvSpPr>
+          <p:cNvPr id="2" name="Folienbildplatzhalter 1"/>
+          <p:cNvSpPr>
+            <a:spLocks noGrp="1" noRot="1" noChangeAspect="1"/>
+          </p:cNvSpPr>
+          <p:nvPr>
+            <p:ph type="sldImg"/>
+          </p:nvPr>
+        </p:nvSpPr>
+        <p:spPr/>
+      </p:sp>
+      <p:sp>
+        <p:nvSpPr>
+          <p:cNvPr id="3" name="Notizenplatzhalter 2"/>
+          <p:cNvSpPr>
+            <a:spLocks noGrp="1"/>
+          </p:cNvSpPr>
+          <p:nvPr>
+            <p:ph type="body" idx="1"/>
+          </p:nvPr>
+        </p:nvSpPr>
+        <p:spPr/>
+        <p:txBody>
+          <a:bodyPr/>
+          <a:lstStyle/>
+          <a:p>
+            <a:endParaRPr lang="de-CH"/>
+          </a:p>
+        </p:txBody>
+      </p:sp>
+      <p:sp>
+        <p:nvSpPr>
+          <p:cNvPr id="4" name="Foliennummernplatzhalter 3"/>
+          <p:cNvSpPr>
+            <a:spLocks noGrp="1"/>
+          </p:cNvSpPr>
+          <p:nvPr>
+            <p:ph type="sldNum" sz="quarter" idx="5"/>
+          </p:nvPr>
+        </p:nvSpPr>
+        <p:spPr/>
+        <p:txBody>
+          <a:bodyPr/>
+          <a:lstStyle/>
+          <a:p>
+            <a:fld id="{7B6FFA1C-23A2-4092-8E76-E315B0E50888}" type="slidenum">
+              <a:rPr lang="de-CH" smtClean="0"/>
+              <a:t>7</a:t>
+            </a:fld>
+            <a:endParaRPr lang="de-CH"/>
+          </a:p>
+        </p:txBody>
+      </p:sp>
+    </p:spTree>
+    <p:extLst>
+      <p:ext uri="{BB962C8B-B14F-4D97-AF65-F5344CB8AC3E}">
+        <p14:creationId xmlns:p14="http://schemas.microsoft.com/office/powerpoint/2010/main" val="3378067947"/>
+      </p:ext>
+    </p:extLst>
+  </p:cSld>
+  <p:clrMapOvr>
+    <a:masterClrMapping/>
+  </p:clrMapOvr>
+</p:notes>
+</file>
+
+<file path=ppt/notesSlides/notesSlide7.xml><?xml version="1.0" encoding="utf-8"?>
+<p:notes xmlns:a="http://schemas.openxmlformats.org/drawingml/2006/main" xmlns:r="http://schemas.openxmlformats.org/officeDocument/2006/relationships" xmlns:p="http://schemas.openxmlformats.org/presentationml/2006/main">
+  <p:cSld>
+    <p:spTree>
+      <p:nvGrpSpPr>
+        <p:cNvPr id="1" name=""/>
+        <p:cNvGrpSpPr/>
+        <p:nvPr/>
+      </p:nvGrpSpPr>
+      <p:grpSpPr>
+        <a:xfrm>
+          <a:off x="0" y="0"/>
+          <a:ext cx="0" cy="0"/>
+          <a:chOff x="0" y="0"/>
+          <a:chExt cx="0" cy="0"/>
+        </a:xfrm>
+      </p:grpSpPr>
+      <p:sp>
+        <p:nvSpPr>
+          <p:cNvPr id="2" name="Folienbildplatzhalter 1"/>
+          <p:cNvSpPr>
+            <a:spLocks noGrp="1" noRot="1" noChangeAspect="1"/>
+          </p:cNvSpPr>
+          <p:nvPr>
+            <p:ph type="sldImg"/>
+          </p:nvPr>
+        </p:nvSpPr>
+        <p:spPr/>
+      </p:sp>
+      <p:sp>
+        <p:nvSpPr>
+          <p:cNvPr id="3" name="Notizenplatzhalter 2"/>
+          <p:cNvSpPr>
+            <a:spLocks noGrp="1"/>
+          </p:cNvSpPr>
+          <p:nvPr>
+            <p:ph type="body" idx="1"/>
+          </p:nvPr>
+        </p:nvSpPr>
+        <p:spPr/>
+        <p:txBody>
+          <a:bodyPr/>
+          <a:lstStyle/>
+          <a:p>
+            <a:pPr marL="171450" indent="-171450">
+              <a:buFontTx/>
+              <a:buChar char="-"/>
+            </a:pPr>
+            <a:r>
+              <a:rPr lang="de-DE" dirty="0"/>
+              <a:t>Alle Rollen</a:t>
+            </a:r>
+          </a:p>
+          <a:p>
+            <a:pPr marL="171450" indent="-171450">
+              <a:buFontTx/>
+              <a:buChar char="-"/>
+            </a:pPr>
+            <a:r>
+              <a:rPr lang="de-DE" dirty="0" err="1"/>
+              <a:t>Optimistic</a:t>
+            </a:r>
+            <a:r>
+              <a:rPr lang="de-DE" dirty="0"/>
+              <a:t> </a:t>
+            </a:r>
+            <a:r>
+              <a:rPr lang="de-DE" dirty="0" err="1"/>
+              <a:t>Locking</a:t>
+            </a:r>
+            <a:r>
+              <a:rPr lang="de-DE" dirty="0"/>
+              <a:t> mit Professor und Head (Fischli und Amrhein)</a:t>
+            </a:r>
+          </a:p>
+          <a:p>
+            <a:pPr marL="171450" indent="-171450">
+              <a:buFontTx/>
+              <a:buChar char="-"/>
+            </a:pPr>
+            <a:r>
+              <a:rPr lang="de-DE" dirty="0"/>
+              <a:t>Dynamische Berechnung Noten / Statistiken</a:t>
+            </a:r>
+          </a:p>
+          <a:p>
+            <a:pPr marL="171450" indent="-171450">
+              <a:buFontTx/>
+              <a:buChar char="-"/>
+            </a:pPr>
+            <a:r>
+              <a:rPr lang="de-DE" dirty="0"/>
+              <a:t>Filter auf Modulübersicht</a:t>
+            </a:r>
+          </a:p>
+          <a:p>
+            <a:pPr marL="171450" indent="-171450">
+              <a:buFontTx/>
+              <a:buChar char="-"/>
+            </a:pPr>
+            <a:r>
+              <a:rPr lang="de-DE" dirty="0"/>
+              <a:t>Notifikation Dozent</a:t>
+            </a:r>
+          </a:p>
+          <a:p>
+            <a:pPr marL="171450" indent="-171450">
+              <a:buFontTx/>
+              <a:buChar char="-"/>
+            </a:pPr>
+            <a:r>
+              <a:rPr lang="de-DE" dirty="0" err="1"/>
+              <a:t>Swagger</a:t>
+            </a:r>
+            <a:r>
+              <a:rPr lang="de-DE" dirty="0"/>
+              <a:t> </a:t>
+            </a:r>
+            <a:r>
+              <a:rPr lang="de-DE" dirty="0" err="1"/>
+              <a:t>UseCase</a:t>
+            </a:r>
+            <a:r>
+              <a:rPr lang="de-DE" dirty="0"/>
+              <a:t> (mit nicht berechtigter Rolle)</a:t>
+            </a:r>
+            <a:endParaRPr lang="de-CH" dirty="0"/>
+          </a:p>
+        </p:txBody>
+      </p:sp>
+      <p:sp>
+        <p:nvSpPr>
+          <p:cNvPr id="4" name="Foliennummernplatzhalter 3"/>
+          <p:cNvSpPr>
+            <a:spLocks noGrp="1"/>
+          </p:cNvSpPr>
+          <p:nvPr>
+            <p:ph type="sldNum" sz="quarter" idx="5"/>
+          </p:nvPr>
+        </p:nvSpPr>
+        <p:spPr/>
+        <p:txBody>
+          <a:bodyPr/>
+          <a:lstStyle/>
+          <a:p>
+            <a:fld id="{7B6FFA1C-23A2-4092-8E76-E315B0E50888}" type="slidenum">
+              <a:rPr lang="de-CH" smtClean="0"/>
+              <a:t>8</a:t>
+            </a:fld>
+            <a:endParaRPr lang="de-CH"/>
+          </a:p>
+        </p:txBody>
+      </p:sp>
+    </p:spTree>
+    <p:extLst>
+      <p:ext uri="{BB962C8B-B14F-4D97-AF65-F5344CB8AC3E}">
+        <p14:creationId xmlns:p14="http://schemas.microsoft.com/office/powerpoint/2010/main" val="2199568428"/>
+      </p:ext>
+    </p:extLst>
+  </p:cSld>
+  <p:clrMapOvr>
+    <a:masterClrMapping/>
+  </p:clrMapOvr>
+</p:notes>
+</file>
+
 <file path=ppt/slideLayouts/slideLayout1.xml><?xml version="1.0" encoding="utf-8"?>
 <p:sldLayout xmlns:a="http://schemas.openxmlformats.org/drawingml/2006/main" xmlns:r="http://schemas.openxmlformats.org/officeDocument/2006/relationships" xmlns:p="http://schemas.openxmlformats.org/presentationml/2006/main" showMasterSp="0" type="title" preserve="1">
   <p:cSld name="Title Slide">
@@ -689,7 +1956,7 @@
           <a:p>
             <a:fld id="{E560575E-1F45-4D7B-893C-A9614C9FC59C}" type="datetimeFigureOut">
               <a:rPr lang="de-CH" smtClean="0"/>
-              <a:t>22.03.21</a:t>
+              <a:t>23.03.2021</a:t>
             </a:fld>
             <a:endParaRPr lang="de-CH"/>
           </a:p>
@@ -740,7 +2007,7 @@
           <a:p>
             <a:fld id="{B648FF8E-AD32-46ED-BB24-5B840C929D2C}" type="slidenum">
               <a:rPr lang="de-CH" smtClean="0"/>
-              <a:t>‹#›</a:t>
+              <a:t>‹Nr.›</a:t>
             </a:fld>
             <a:endParaRPr lang="de-CH"/>
           </a:p>
@@ -868,7 +2135,7 @@
           <a:p>
             <a:fld id="{E560575E-1F45-4D7B-893C-A9614C9FC59C}" type="datetimeFigureOut">
               <a:rPr lang="de-CH" smtClean="0"/>
-              <a:t>22.03.21</a:t>
+              <a:t>23.03.2021</a:t>
             </a:fld>
             <a:endParaRPr lang="de-CH"/>
           </a:p>
@@ -910,7 +2177,7 @@
           <a:p>
             <a:fld id="{B648FF8E-AD32-46ED-BB24-5B840C929D2C}" type="slidenum">
               <a:rPr lang="de-CH" smtClean="0"/>
-              <a:t>‹#›</a:t>
+              <a:t>‹Nr.›</a:t>
             </a:fld>
             <a:endParaRPr lang="de-CH"/>
           </a:p>
@@ -1048,7 +2315,7 @@
           <a:p>
             <a:fld id="{E560575E-1F45-4D7B-893C-A9614C9FC59C}" type="datetimeFigureOut">
               <a:rPr lang="de-CH" smtClean="0"/>
-              <a:t>22.03.21</a:t>
+              <a:t>23.03.2021</a:t>
             </a:fld>
             <a:endParaRPr lang="de-CH"/>
           </a:p>
@@ -1090,7 +2357,7 @@
           <a:p>
             <a:fld id="{B648FF8E-AD32-46ED-BB24-5B840C929D2C}" type="slidenum">
               <a:rPr lang="de-CH" smtClean="0"/>
-              <a:t>‹#›</a:t>
+              <a:t>‹Nr.›</a:t>
             </a:fld>
             <a:endParaRPr lang="de-CH"/>
           </a:p>
@@ -1218,7 +2485,7 @@
           <a:p>
             <a:fld id="{E560575E-1F45-4D7B-893C-A9614C9FC59C}" type="datetimeFigureOut">
               <a:rPr lang="de-CH" smtClean="0"/>
-              <a:t>22.03.21</a:t>
+              <a:t>23.03.2021</a:t>
             </a:fld>
             <a:endParaRPr lang="de-CH"/>
           </a:p>
@@ -1260,7 +2527,7 @@
           <a:p>
             <a:fld id="{B648FF8E-AD32-46ED-BB24-5B840C929D2C}" type="slidenum">
               <a:rPr lang="de-CH" smtClean="0"/>
-              <a:t>‹#›</a:t>
+              <a:t>‹Nr.›</a:t>
             </a:fld>
             <a:endParaRPr lang="de-CH"/>
           </a:p>
@@ -1531,7 +2798,7 @@
           <a:p>
             <a:fld id="{E560575E-1F45-4D7B-893C-A9614C9FC59C}" type="datetimeFigureOut">
               <a:rPr lang="de-CH" smtClean="0"/>
-              <a:t>22.03.21</a:t>
+              <a:t>23.03.2021</a:t>
             </a:fld>
             <a:endParaRPr lang="de-CH"/>
           </a:p>
@@ -1671,7 +2938,7 @@
           <a:p>
             <a:fld id="{B648FF8E-AD32-46ED-BB24-5B840C929D2C}" type="slidenum">
               <a:rPr lang="de-CH" smtClean="0"/>
-              <a:t>‹#›</a:t>
+              <a:t>‹Nr.›</a:t>
             </a:fld>
             <a:endParaRPr lang="de-CH"/>
           </a:p>
@@ -1917,7 +3184,7 @@
           <a:p>
             <a:fld id="{E560575E-1F45-4D7B-893C-A9614C9FC59C}" type="datetimeFigureOut">
               <a:rPr lang="de-CH" smtClean="0"/>
-              <a:t>22.03.21</a:t>
+              <a:t>23.03.2021</a:t>
             </a:fld>
             <a:endParaRPr lang="de-CH"/>
           </a:p>
@@ -1959,7 +3226,7 @@
           <a:p>
             <a:fld id="{B648FF8E-AD32-46ED-BB24-5B840C929D2C}" type="slidenum">
               <a:rPr lang="de-CH" smtClean="0"/>
-              <a:t>‹#›</a:t>
+              <a:t>‹Nr.›</a:t>
             </a:fld>
             <a:endParaRPr lang="de-CH"/>
           </a:p>
@@ -2351,7 +3618,7 @@
           <a:p>
             <a:fld id="{E560575E-1F45-4D7B-893C-A9614C9FC59C}" type="datetimeFigureOut">
               <a:rPr lang="de-CH" smtClean="0"/>
-              <a:t>22.03.21</a:t>
+              <a:t>23.03.2021</a:t>
             </a:fld>
             <a:endParaRPr lang="de-CH"/>
           </a:p>
@@ -2393,7 +3660,7 @@
           <a:p>
             <a:fld id="{B648FF8E-AD32-46ED-BB24-5B840C929D2C}" type="slidenum">
               <a:rPr lang="de-CH" smtClean="0"/>
-              <a:t>‹#›</a:t>
+              <a:t>‹Nr.›</a:t>
             </a:fld>
             <a:endParaRPr lang="de-CH"/>
           </a:p>
@@ -2469,7 +3736,7 @@
           <a:p>
             <a:fld id="{E560575E-1F45-4D7B-893C-A9614C9FC59C}" type="datetimeFigureOut">
               <a:rPr lang="de-CH" smtClean="0"/>
-              <a:t>22.03.21</a:t>
+              <a:t>23.03.2021</a:t>
             </a:fld>
             <a:endParaRPr lang="de-CH"/>
           </a:p>
@@ -2511,7 +3778,7 @@
           <a:p>
             <a:fld id="{B648FF8E-AD32-46ED-BB24-5B840C929D2C}" type="slidenum">
               <a:rPr lang="de-CH" smtClean="0"/>
-              <a:t>‹#›</a:t>
+              <a:t>‹Nr.›</a:t>
             </a:fld>
             <a:endParaRPr lang="de-CH"/>
           </a:p>
@@ -2564,7 +3831,7 @@
           <a:p>
             <a:fld id="{E560575E-1F45-4D7B-893C-A9614C9FC59C}" type="datetimeFigureOut">
               <a:rPr lang="de-CH" smtClean="0"/>
-              <a:t>22.03.21</a:t>
+              <a:t>23.03.2021</a:t>
             </a:fld>
             <a:endParaRPr lang="de-CH"/>
           </a:p>
@@ -2606,7 +3873,7 @@
           <a:p>
             <a:fld id="{B648FF8E-AD32-46ED-BB24-5B840C929D2C}" type="slidenum">
               <a:rPr lang="de-CH" smtClean="0"/>
-              <a:t>‹#›</a:t>
+              <a:t>‹Nr.›</a:t>
             </a:fld>
             <a:endParaRPr lang="de-CH"/>
           </a:p>
@@ -2914,7 +4181,7 @@
           <a:p>
             <a:fld id="{E560575E-1F45-4D7B-893C-A9614C9FC59C}" type="datetimeFigureOut">
               <a:rPr lang="de-CH" smtClean="0"/>
-              <a:t>22.03.21</a:t>
+              <a:t>23.03.2021</a:t>
             </a:fld>
             <a:endParaRPr lang="de-CH"/>
           </a:p>
@@ -3045,7 +4312,7 @@
           <a:p>
             <a:fld id="{B648FF8E-AD32-46ED-BB24-5B840C929D2C}" type="slidenum">
               <a:rPr lang="de-CH" smtClean="0"/>
-              <a:t>‹#›</a:t>
+              <a:t>‹Nr.›</a:t>
             </a:fld>
             <a:endParaRPr lang="de-CH"/>
           </a:p>
@@ -3339,7 +4606,7 @@
           <a:p>
             <a:fld id="{E560575E-1F45-4D7B-893C-A9614C9FC59C}" type="datetimeFigureOut">
               <a:rPr lang="de-CH" smtClean="0"/>
-              <a:t>22.03.21</a:t>
+              <a:t>23.03.2021</a:t>
             </a:fld>
             <a:endParaRPr lang="de-CH"/>
           </a:p>
@@ -3451,7 +4718,7 @@
           <a:p>
             <a:fld id="{B648FF8E-AD32-46ED-BB24-5B840C929D2C}" type="slidenum">
               <a:rPr lang="de-CH" smtClean="0"/>
-              <a:t>‹#›</a:t>
+              <a:t>‹Nr.›</a:t>
             </a:fld>
             <a:endParaRPr lang="de-CH"/>
           </a:p>
@@ -3620,7 +4887,7 @@
           <a:p>
             <a:fld id="{E560575E-1F45-4D7B-893C-A9614C9FC59C}" type="datetimeFigureOut">
               <a:rPr lang="de-CH" smtClean="0"/>
-              <a:t>22.03.21</a:t>
+              <a:t>23.03.2021</a:t>
             </a:fld>
             <a:endParaRPr lang="de-CH"/>
           </a:p>
@@ -3692,7 +4959,7 @@
               <a:avLst/>
             </a:prstGeom>
             <a:blipFill dpi="0" rotWithShape="1">
-              <a:blip r:embed="rId15">
+              <a:blip r:embed="rId14">
                 <a:duotone>
                   <a:schemeClr val="accent1">
                     <a:shade val="45000"/>
@@ -3703,7 +4970,7 @@
                 <a:extLst>
                   <a:ext uri="{BEBA8EAE-BF5A-486C-A8C5-ECC9F3942E4B}">
                     <a14:imgProps xmlns:a14="http://schemas.microsoft.com/office/drawing/2010/main">
-                      <a14:imgLayer r:embed="rId16">
+                      <a14:imgLayer r:embed="rId15">
                         <a14:imgEffect>
                           <a14:saturation sat="95000"/>
                         </a14:imgEffect>
@@ -3784,7 +5051,7 @@
           <a:p>
             <a:fld id="{B648FF8E-AD32-46ED-BB24-5B840C929D2C}" type="slidenum">
               <a:rPr lang="de-CH" smtClean="0"/>
-              <a:t>‹#›</a:t>
+              <a:t>‹Nr.›</a:t>
             </a:fld>
             <a:endParaRPr lang="de-CH"/>
           </a:p>
@@ -3804,7 +5071,7 @@
           </p:cNvGraphicFramePr>
           <p:nvPr userDrawn="1">
             <p:custDataLst>
-              <p:tags r:id="rId14"/>
+              <p:tags r:id="rId13"/>
             </p:custDataLst>
             <p:extLst>
               <p:ext uri="{D42A27DB-BD31-4B8C-83A1-F6EECF244321}">
@@ -3821,12 +5088,12 @@
           <a:graphicData uri="http://schemas.openxmlformats.org/presentationml/2006/ole">
             <mc:AlternateContent xmlns:mc="http://schemas.openxmlformats.org/markup-compatibility/2006">
               <mc:Choice xmlns:v="urn:schemas-microsoft-com:vml" Requires="v">
-                <p:oleObj spid="_x0000_s1025" name="think-cell Slide" r:id="rId17" imgW="473" imgH="473" progId="TCLayout.ActiveDocument.1">
+                <p:oleObj name="think-cell Slide" r:id="rId16" imgW="473" imgH="473" progId="TCLayout.ActiveDocument.1">
                   <p:embed/>
                 </p:oleObj>
               </mc:Choice>
               <mc:Fallback>
-                <p:oleObj name="think-cell Slide" r:id="rId17" imgW="473" imgH="473" progId="TCLayout.ActiveDocument.1">
+                <p:oleObj name="think-cell Slide" r:id="rId16" imgW="473" imgH="473" progId="TCLayout.ActiveDocument.1">
                   <p:embed/>
                   <p:pic>
                     <p:nvPicPr>
@@ -3841,7 +5108,7 @@
                       <p:nvPr/>
                     </p:nvPicPr>
                     <p:blipFill>
-                      <a:blip r:embed="rId18"/>
+                      <a:blip r:embed="rId17"/>
                       <a:stretch>
                         <a:fillRect/>
                       </a:stretch>
@@ -3895,7 +5162,7 @@
         <a:buNone/>
         <a:defRPr sz="5400" kern="1200" cap="all" baseline="0">
           <a:blipFill>
-            <a:blip r:embed="rId19">
+            <a:blip r:embed="rId18">
               <a:extLst>
                 <a:ext uri="{28A0092B-C50C-407E-A947-70E740481C1C}">
                   <a14:useLocalDpi xmlns:a14="http://schemas.microsoft.com/office/drawing/2010/main" val="0"/>
@@ -4282,7 +5549,7 @@
           </p:cNvGraphicFramePr>
           <p:nvPr>
             <p:custDataLst>
-              <p:tags r:id="rId2"/>
+              <p:tags r:id="rId1"/>
             </p:custDataLst>
             <p:extLst>
               <p:ext uri="{D42A27DB-BD31-4B8C-83A1-F6EECF244321}">
@@ -4299,12 +5566,12 @@
           <a:graphicData uri="http://schemas.openxmlformats.org/presentationml/2006/ole">
             <mc:AlternateContent xmlns:mc="http://schemas.openxmlformats.org/markup-compatibility/2006">
               <mc:Choice xmlns:v="urn:schemas-microsoft-com:vml" Requires="v">
-                <p:oleObj spid="_x0000_s2049" name="think-cell Slide" r:id="rId4" imgW="473" imgH="473" progId="TCLayout.ActiveDocument.1">
+                <p:oleObj name="think-cell Slide" r:id="rId3" imgW="473" imgH="473" progId="TCLayout.ActiveDocument.1">
                   <p:embed/>
                 </p:oleObj>
               </mc:Choice>
               <mc:Fallback>
-                <p:oleObj name="think-cell Slide" r:id="rId4" imgW="473" imgH="473" progId="TCLayout.ActiveDocument.1">
+                <p:oleObj name="think-cell Slide" r:id="rId3" imgW="473" imgH="473" progId="TCLayout.ActiveDocument.1">
                   <p:embed/>
                   <p:pic>
                     <p:nvPicPr>
@@ -4319,7 +5586,7 @@
                       <p:nvPr/>
                     </p:nvPicPr>
                     <p:blipFill>
-                      <a:blip r:embed="rId5"/>
+                      <a:blip r:embed="rId4"/>
                       <a:stretch>
                         <a:fillRect/>
                       </a:stretch>
@@ -4384,7 +5651,12 @@
             <p:ph type="subTitle" idx="1"/>
           </p:nvPr>
         </p:nvSpPr>
-        <p:spPr/>
+        <p:spPr>
+          <a:xfrm>
+            <a:off x="1069848" y="4389120"/>
+            <a:ext cx="7891272" cy="1236980"/>
+          </a:xfrm>
+        </p:spPr>
         <p:txBody>
           <a:bodyPr>
             <a:normAutofit lnSpcReduction="10000"/>
@@ -4399,7 +5671,13 @@
           <a:p>
             <a:r>
               <a:rPr lang="de-CH" dirty="0"/>
-              <a:t>Raphael Gerber, Christophe Leupi, Sabina Löffel, Igor Stojanovic</a:t>
+              <a:t>Raphael Gerber, Christophe Leupi,</a:t>
+            </a:r>
+          </a:p>
+          <a:p>
+            <a:r>
+              <a:rPr lang="de-CH" dirty="0"/>
+              <a:t>Sabina Löffel, Igor Stojanovic</a:t>
             </a:r>
           </a:p>
         </p:txBody>
@@ -4448,7 +5726,7 @@
           </p:cNvGraphicFramePr>
           <p:nvPr>
             <p:custDataLst>
-              <p:tags r:id="rId2"/>
+              <p:tags r:id="rId1"/>
             </p:custDataLst>
             <p:extLst>
               <p:ext uri="{D42A27DB-BD31-4B8C-83A1-F6EECF244321}">
@@ -4465,7 +5743,7 @@
           <a:graphicData uri="http://schemas.openxmlformats.org/presentationml/2006/ole">
             <mc:AlternateContent xmlns:mc="http://schemas.openxmlformats.org/markup-compatibility/2006">
               <mc:Choice xmlns:v="urn:schemas-microsoft-com:vml" Requires="v">
-                <p:oleObj spid="_x0000_s3073" name="think-cell Slide" r:id="rId4" imgW="473" imgH="473" progId="TCLayout.ActiveDocument.1">
+                <p:oleObj name="think-cell Slide" r:id="rId4" imgW="473" imgH="473" progId="TCLayout.ActiveDocument.1">
                   <p:embed/>
                 </p:oleObj>
               </mc:Choice>
@@ -4598,7 +5876,7 @@
         </p:blipFill>
         <p:spPr>
           <a:xfrm>
-            <a:off x="3997608" y="1912352"/>
+            <a:off x="3997608" y="1807577"/>
             <a:ext cx="3694581" cy="4062639"/>
           </a:xfrm>
           <a:prstGeom prst="rect">
@@ -4762,7 +6040,7 @@
           </p:cNvGraphicFramePr>
           <p:nvPr>
             <p:custDataLst>
-              <p:tags r:id="rId2"/>
+              <p:tags r:id="rId1"/>
             </p:custDataLst>
             <p:extLst>
               <p:ext uri="{D42A27DB-BD31-4B8C-83A1-F6EECF244321}">
@@ -4779,7 +6057,7 @@
           <a:graphicData uri="http://schemas.openxmlformats.org/presentationml/2006/ole">
             <mc:AlternateContent xmlns:mc="http://schemas.openxmlformats.org/markup-compatibility/2006">
               <mc:Choice xmlns:v="urn:schemas-microsoft-com:vml" Requires="v">
-                <p:oleObj spid="_x0000_s4097" name="think-cell Slide" r:id="rId4" imgW="473" imgH="473" progId="TCLayout.ActiveDocument.1">
+                <p:oleObj name="think-cell Slide" r:id="rId4" imgW="473" imgH="473" progId="TCLayout.ActiveDocument.1">
                   <p:embed/>
                 </p:oleObj>
               </mc:Choice>
@@ -5063,7 +6341,7 @@
           </p:cNvGraphicFramePr>
           <p:nvPr>
             <p:custDataLst>
-              <p:tags r:id="rId2"/>
+              <p:tags r:id="rId1"/>
             </p:custDataLst>
             <p:extLst>
               <p:ext uri="{D42A27DB-BD31-4B8C-83A1-F6EECF244321}">
@@ -5080,7 +6358,7 @@
           <a:graphicData uri="http://schemas.openxmlformats.org/presentationml/2006/ole">
             <mc:AlternateContent xmlns:mc="http://schemas.openxmlformats.org/markup-compatibility/2006">
               <mc:Choice xmlns:v="urn:schemas-microsoft-com:vml" Requires="v">
-                <p:oleObj spid="_x0000_s5121" name="think-cell Slide" r:id="rId4" imgW="473" imgH="473" progId="TCLayout.ActiveDocument.1">
+                <p:oleObj name="think-cell Slide" r:id="rId4" imgW="473" imgH="473" progId="TCLayout.ActiveDocument.1">
                   <p:embed/>
                 </p:oleObj>
               </mc:Choice>
@@ -5454,7 +6732,7 @@
           <a:p>
             <a:r>
               <a:rPr lang="de-CH" dirty="0"/>
-              <a:t>Moderner Card-Aufbau in Containern</a:t>
+              <a:t>Moderne Kacheln in Containern</a:t>
             </a:r>
           </a:p>
         </p:txBody>
@@ -5530,8 +6808,13 @@
             </a:r>
             <a:r>
               <a:rPr lang="en-US" dirty="0"/>
-              <a:t> "Cards"</a:t>
-            </a:r>
+              <a:t> </a:t>
+            </a:r>
+            <a:r>
+              <a:rPr lang="en-US" dirty="0" err="1"/>
+              <a:t>Kacheln</a:t>
+            </a:r>
+            <a:endParaRPr lang="en-US" dirty="0"/>
           </a:p>
           <a:p>
             <a:r>
@@ -5576,7 +6859,7 @@
             </a:r>
             <a:r>
               <a:rPr lang="en-US" dirty="0" err="1"/>
-              <a:t>Dozenten</a:t>
+              <a:t>Dozierende</a:t>
             </a:r>
             <a:r>
               <a:rPr lang="en-US" dirty="0"/>
@@ -5585,6 +6868,10 @@
             <a:br>
               <a:rPr lang="en-US" dirty="0"/>
             </a:br>
+            <a:r>
+              <a:rPr lang="en-US" dirty="0"/>
+              <a:t>CAS-</a:t>
+            </a:r>
             <a:r>
               <a:rPr lang="en-US" dirty="0" err="1"/>
               <a:t>Assistenz</a:t>
@@ -5811,7 +7098,7 @@
           </p:cNvGraphicFramePr>
           <p:nvPr>
             <p:custDataLst>
-              <p:tags r:id="rId2"/>
+              <p:tags r:id="rId1"/>
             </p:custDataLst>
             <p:extLst>
               <p:ext uri="{D42A27DB-BD31-4B8C-83A1-F6EECF244321}">
@@ -5828,7 +7115,7 @@
           <a:graphicData uri="http://schemas.openxmlformats.org/presentationml/2006/ole">
             <mc:AlternateContent xmlns:mc="http://schemas.openxmlformats.org/markup-compatibility/2006">
               <mc:Choice xmlns:v="urn:schemas-microsoft-com:vml" Requires="v">
-                <p:oleObj spid="_x0000_s6145" name="think-cell Slide" r:id="rId4" imgW="473" imgH="473" progId="TCLayout.ActiveDocument.1">
+                <p:oleObj name="think-cell Slide" r:id="rId4" imgW="473" imgH="473" progId="TCLayout.ActiveDocument.1">
                   <p:embed/>
                 </p:oleObj>
               </mc:Choice>
@@ -6514,7 +7801,7 @@
           </p:cNvGraphicFramePr>
           <p:nvPr>
             <p:custDataLst>
-              <p:tags r:id="rId2"/>
+              <p:tags r:id="rId1"/>
             </p:custDataLst>
             <p:extLst>
               <p:ext uri="{D42A27DB-BD31-4B8C-83A1-F6EECF244321}">
@@ -6531,7 +7818,7 @@
           <a:graphicData uri="http://schemas.openxmlformats.org/presentationml/2006/ole">
             <mc:AlternateContent xmlns:mc="http://schemas.openxmlformats.org/markup-compatibility/2006">
               <mc:Choice xmlns:v="urn:schemas-microsoft-com:vml" Requires="v">
-                <p:oleObj spid="_x0000_s7169" name="think-cell Slide" r:id="rId4" imgW="473" imgH="473" progId="TCLayout.ActiveDocument.1">
+                <p:oleObj name="think-cell Slide" r:id="rId4" imgW="473" imgH="473" progId="TCLayout.ActiveDocument.1">
                   <p:embed/>
                 </p:oleObj>
               </mc:Choice>
@@ -7195,7 +8482,7 @@
           </p:cNvGraphicFramePr>
           <p:nvPr>
             <p:custDataLst>
-              <p:tags r:id="rId2"/>
+              <p:tags r:id="rId1"/>
             </p:custDataLst>
             <p:extLst>
               <p:ext uri="{D42A27DB-BD31-4B8C-83A1-F6EECF244321}">
@@ -7212,7 +8499,7 @@
           <a:graphicData uri="http://schemas.openxmlformats.org/presentationml/2006/ole">
             <mc:AlternateContent xmlns:mc="http://schemas.openxmlformats.org/markup-compatibility/2006">
               <mc:Choice xmlns:v="urn:schemas-microsoft-com:vml" Requires="v">
-                <p:oleObj spid="_x0000_s8193" name="think-cell Slide" r:id="rId4" imgW="473" imgH="473" progId="TCLayout.ActiveDocument.1">
+                <p:oleObj name="think-cell Slide" r:id="rId4" imgW="473" imgH="473" progId="TCLayout.ActiveDocument.1">
                   <p:embed/>
                 </p:oleObj>
               </mc:Choice>
@@ -7304,37 +8591,13 @@
           <a:p>
             <a:r>
               <a:rPr lang="de-CH" dirty="0"/>
-              <a:t>Dynamischer Aufbau von Containern im Module-</a:t>
-            </a:r>
-            <a:r>
-              <a:rPr lang="de-CH" dirty="0" err="1"/>
-              <a:t>Overview</a:t>
-            </a:r>
+              <a:t>Dynamischer Aufbau von Containern in der Modulübersicht auf Basis der Anzahl Module </a:t>
+            </a:r>
+          </a:p>
+          <a:p>
             <a:r>
               <a:rPr lang="de-CH" dirty="0"/>
-              <a:t> auf Basis der Anzahl Module </a:t>
-            </a:r>
-          </a:p>
-          <a:p>
-            <a:r>
-              <a:rPr lang="de-CH" dirty="0"/>
-              <a:t>Berechnungen on </a:t>
-            </a:r>
-            <a:r>
-              <a:rPr lang="de-CH" dirty="0" err="1"/>
-              <a:t>the</a:t>
-            </a:r>
-            <a:r>
-              <a:rPr lang="de-CH" dirty="0"/>
-              <a:t> </a:t>
-            </a:r>
-            <a:r>
-              <a:rPr lang="de-CH" dirty="0" err="1"/>
-              <a:t>fly</a:t>
-            </a:r>
-            <a:r>
-              <a:rPr lang="de-CH" dirty="0"/>
-              <a:t> im Frontend bei Änderungen in den Kursen (Durchschnitte, #Bestandene Studenten, #Nicht-Bestandene Studenten,  etc.)</a:t>
+              <a:t>Echtzeit-Berechnungen im Frontend bei Änderungen in den Kursen (Durchschnitte, #Bestandene Studenten, #Nicht-Bestandene Studenten,  etc.)</a:t>
             </a:r>
           </a:p>
           <a:p>
@@ -7421,7 +8684,7 @@
           </p:cNvGraphicFramePr>
           <p:nvPr>
             <p:custDataLst>
-              <p:tags r:id="rId2"/>
+              <p:tags r:id="rId1"/>
             </p:custDataLst>
             <p:extLst>
               <p:ext uri="{D42A27DB-BD31-4B8C-83A1-F6EECF244321}">
@@ -7438,7 +8701,7 @@
           <a:graphicData uri="http://schemas.openxmlformats.org/presentationml/2006/ole">
             <mc:AlternateContent xmlns:mc="http://schemas.openxmlformats.org/markup-compatibility/2006">
               <mc:Choice xmlns:v="urn:schemas-microsoft-com:vml" Requires="v">
-                <p:oleObj spid="_x0000_s9217" name="think-cell Slide" r:id="rId4" imgW="473" imgH="473" progId="TCLayout.ActiveDocument.1">
+                <p:oleObj name="think-cell Slide" r:id="rId4" imgW="473" imgH="473" progId="TCLayout.ActiveDocument.1">
                   <p:embed/>
                 </p:oleObj>
               </mc:Choice>
@@ -7598,7 +8861,7 @@
           </p:cNvGraphicFramePr>
           <p:nvPr>
             <p:custDataLst>
-              <p:tags r:id="rId2"/>
+              <p:tags r:id="rId1"/>
             </p:custDataLst>
             <p:extLst>
               <p:ext uri="{D42A27DB-BD31-4B8C-83A1-F6EECF244321}">
@@ -7615,12 +8878,12 @@
           <a:graphicData uri="http://schemas.openxmlformats.org/presentationml/2006/ole">
             <mc:AlternateContent xmlns:mc="http://schemas.openxmlformats.org/markup-compatibility/2006">
               <mc:Choice xmlns:v="urn:schemas-microsoft-com:vml" Requires="v">
-                <p:oleObj spid="_x0000_s10241" name="think-cell Slide" r:id="rId4" imgW="473" imgH="473" progId="TCLayout.ActiveDocument.1">
+                <p:oleObj name="think-cell Slide" r:id="rId3" imgW="473" imgH="473" progId="TCLayout.ActiveDocument.1">
                   <p:embed/>
                 </p:oleObj>
               </mc:Choice>
               <mc:Fallback>
-                <p:oleObj name="think-cell Slide" r:id="rId4" imgW="473" imgH="473" progId="TCLayout.ActiveDocument.1">
+                <p:oleObj name="think-cell Slide" r:id="rId3" imgW="473" imgH="473" progId="TCLayout.ActiveDocument.1">
                   <p:embed/>
                   <p:pic>
                     <p:nvPicPr>
@@ -7635,7 +8898,7 @@
                       <p:nvPr/>
                     </p:nvPicPr>
                     <p:blipFill>
-                      <a:blip r:embed="rId5"/>
+                      <a:blip r:embed="rId4"/>
                       <a:stretch>
                         <a:fillRect/>
                       </a:stretch>
@@ -7702,7 +8965,7 @@
         </p:nvSpPr>
         <p:spPr>
           <a:xfrm>
-            <a:off x="1069848" y="2121408"/>
+            <a:off x="1063752" y="2322576"/>
             <a:ext cx="9245727" cy="4050792"/>
           </a:xfrm>
         </p:spPr>
@@ -7729,7 +8992,7 @@
                 </a:solidFill>
                 <a:latin typeface="arial" panose="020B0604020202020204" pitchFamily="34" charset="0"/>
               </a:rPr>
-              <a:t>Zunächst unterschiedliche Vorstellung (</a:t>
+              <a:t>Zunächst unterschiedliche Vorstellungen (</a:t>
             </a:r>
             <a:r>
               <a:rPr lang="de-CH" dirty="0" err="1">
@@ -7836,7 +9099,7 @@
                 </a:solidFill>
                 <a:latin typeface="arial" panose="020B0604020202020204" pitchFamily="34" charset="0"/>
               </a:rPr>
-              <a:t> kann mehr als nur API-Dokumentieren</a:t>
+              <a:t> kann mehr als nur API-Dokumentation</a:t>
             </a:r>
           </a:p>
           <a:p>
@@ -7847,7 +9110,7 @@
                 </a:solidFill>
                 <a:latin typeface="arial" panose="020B0604020202020204" pitchFamily="34" charset="0"/>
               </a:rPr>
-              <a:t>Wir können es kaum erwarten ein Frontend-Framework kennenzulernen</a:t>
+              <a:t>Wir können es kaum erwarten, ein Frontend-Framework kennenzulernen</a:t>
             </a:r>
           </a:p>
           <a:p>
@@ -8163,7 +9426,7 @@
           <p:nvPr/>
         </p:nvPicPr>
         <p:blipFill rotWithShape="1">
-          <a:blip r:embed="rId6">
+          <a:blip r:embed="rId5">
             <a:extLst>
               <a:ext uri="{28A0092B-C50C-407E-A947-70E740481C1C}">
                 <a14:useLocalDpi xmlns:a14="http://schemas.microsoft.com/office/drawing/2010/main" val="0"/>
@@ -8499,4 +9762,299 @@
     </a:ext>
   </a:extLst>
 </a:theme>
+</file>
+
+<file path=ppt/theme/theme2.xml><?xml version="1.0" encoding="utf-8"?>
+<a:theme xmlns:a="http://schemas.openxmlformats.org/drawingml/2006/main" name="Office">
+  <a:themeElements>
+    <a:clrScheme name="Office">
+      <a:dk1>
+        <a:sysClr val="windowText" lastClr="000000"/>
+      </a:dk1>
+      <a:lt1>
+        <a:sysClr val="window" lastClr="FFFFFF"/>
+      </a:lt1>
+      <a:dk2>
+        <a:srgbClr val="44546A"/>
+      </a:dk2>
+      <a:lt2>
+        <a:srgbClr val="E7E6E6"/>
+      </a:lt2>
+      <a:accent1>
+        <a:srgbClr val="4472C4"/>
+      </a:accent1>
+      <a:accent2>
+        <a:srgbClr val="ED7D31"/>
+      </a:accent2>
+      <a:accent3>
+        <a:srgbClr val="A5A5A5"/>
+      </a:accent3>
+      <a:accent4>
+        <a:srgbClr val="FFC000"/>
+      </a:accent4>
+      <a:accent5>
+        <a:srgbClr val="5B9BD5"/>
+      </a:accent5>
+      <a:accent6>
+        <a:srgbClr val="70AD47"/>
+      </a:accent6>
+      <a:hlink>
+        <a:srgbClr val="0563C1"/>
+      </a:hlink>
+      <a:folHlink>
+        <a:srgbClr val="954F72"/>
+      </a:folHlink>
+    </a:clrScheme>
+    <a:fontScheme name="Office">
+      <a:majorFont>
+        <a:latin typeface="Calibri Light" panose="020F0302020204030204"/>
+        <a:ea typeface=""/>
+        <a:cs typeface=""/>
+        <a:font script="Jpan" typeface="游ゴシック Light"/>
+        <a:font script="Hang" typeface="맑은 고딕"/>
+        <a:font script="Hans" typeface="等线 Light"/>
+        <a:font script="Hant" typeface="新細明體"/>
+        <a:font script="Arab" typeface="Times New Roman"/>
+        <a:font script="Hebr" typeface="Times New Roman"/>
+        <a:font script="Thai" typeface="Angsana New"/>
+        <a:font script="Ethi" typeface="Nyala"/>
+        <a:font script="Beng" typeface="Vrinda"/>
+        <a:font script="Gujr" typeface="Shruti"/>
+        <a:font script="Khmr" typeface="MoolBoran"/>
+        <a:font script="Knda" typeface="Tunga"/>
+        <a:font script="Guru" typeface="Raavi"/>
+        <a:font script="Cans" typeface="Euphemia"/>
+        <a:font script="Cher" typeface="Plantagenet Cherokee"/>
+        <a:font script="Yiii" typeface="Microsoft Yi Baiti"/>
+        <a:font script="Tibt" typeface="Microsoft Himalaya"/>
+        <a:font script="Thaa" typeface="MV Boli"/>
+        <a:font script="Deva" typeface="Mangal"/>
+        <a:font script="Telu" typeface="Gautami"/>
+        <a:font script="Taml" typeface="Latha"/>
+        <a:font script="Syrc" typeface="Estrangelo Edessa"/>
+        <a:font script="Orya" typeface="Kalinga"/>
+        <a:font script="Mlym" typeface="Kartika"/>
+        <a:font script="Laoo" typeface="DokChampa"/>
+        <a:font script="Sinh" typeface="Iskoola Pota"/>
+        <a:font script="Mong" typeface="Mongolian Baiti"/>
+        <a:font script="Viet" typeface="Times New Roman"/>
+        <a:font script="Uigh" typeface="Microsoft Uighur"/>
+        <a:font script="Geor" typeface="Sylfaen"/>
+        <a:font script="Armn" typeface="Arial"/>
+        <a:font script="Bugi" typeface="Leelawadee UI"/>
+        <a:font script="Bopo" typeface="Microsoft JhengHei"/>
+        <a:font script="Java" typeface="Javanese Text"/>
+        <a:font script="Lisu" typeface="Segoe UI"/>
+        <a:font script="Mymr" typeface="Myanmar Text"/>
+        <a:font script="Nkoo" typeface="Ebrima"/>
+        <a:font script="Olck" typeface="Nirmala UI"/>
+        <a:font script="Osma" typeface="Ebrima"/>
+        <a:font script="Phag" typeface="Phagspa"/>
+        <a:font script="Syrn" typeface="Estrangelo Edessa"/>
+        <a:font script="Syrj" typeface="Estrangelo Edessa"/>
+        <a:font script="Syre" typeface="Estrangelo Edessa"/>
+        <a:font script="Sora" typeface="Nirmala UI"/>
+        <a:font script="Tale" typeface="Microsoft Tai Le"/>
+        <a:font script="Talu" typeface="Microsoft New Tai Lue"/>
+        <a:font script="Tfng" typeface="Ebrima"/>
+      </a:majorFont>
+      <a:minorFont>
+        <a:latin typeface="Calibri" panose="020F0502020204030204"/>
+        <a:ea typeface=""/>
+        <a:cs typeface=""/>
+        <a:font script="Jpan" typeface="游ゴシック"/>
+        <a:font script="Hang" typeface="맑은 고딕"/>
+        <a:font script="Hans" typeface="等线"/>
+        <a:font script="Hant" typeface="新細明體"/>
+        <a:font script="Arab" typeface="Arial"/>
+        <a:font script="Hebr" typeface="Arial"/>
+        <a:font script="Thai" typeface="Cordia New"/>
+        <a:font script="Ethi" typeface="Nyala"/>
+        <a:font script="Beng" typeface="Vrinda"/>
+        <a:font script="Gujr" typeface="Shruti"/>
+        <a:font script="Khmr" typeface="DaunPenh"/>
+        <a:font script="Knda" typeface="Tunga"/>
+        <a:font script="Guru" typeface="Raavi"/>
+        <a:font script="Cans" typeface="Euphemia"/>
+        <a:font script="Cher" typeface="Plantagenet Cherokee"/>
+        <a:font script="Yiii" typeface="Microsoft Yi Baiti"/>
+        <a:font script="Tibt" typeface="Microsoft Himalaya"/>
+        <a:font script="Thaa" typeface="MV Boli"/>
+        <a:font script="Deva" typeface="Mangal"/>
+        <a:font script="Telu" typeface="Gautami"/>
+        <a:font script="Taml" typeface="Latha"/>
+        <a:font script="Syrc" typeface="Estrangelo Edessa"/>
+        <a:font script="Orya" typeface="Kalinga"/>
+        <a:font script="Mlym" typeface="Kartika"/>
+        <a:font script="Laoo" typeface="DokChampa"/>
+        <a:font script="Sinh" typeface="Iskoola Pota"/>
+        <a:font script="Mong" typeface="Mongolian Baiti"/>
+        <a:font script="Viet" typeface="Arial"/>
+        <a:font script="Uigh" typeface="Microsoft Uighur"/>
+        <a:font script="Geor" typeface="Sylfaen"/>
+        <a:font script="Armn" typeface="Arial"/>
+        <a:font script="Bugi" typeface="Leelawadee UI"/>
+        <a:font script="Bopo" typeface="Microsoft JhengHei"/>
+        <a:font script="Java" typeface="Javanese Text"/>
+        <a:font script="Lisu" typeface="Segoe UI"/>
+        <a:font script="Mymr" typeface="Myanmar Text"/>
+        <a:font script="Nkoo" typeface="Ebrima"/>
+        <a:font script="Olck" typeface="Nirmala UI"/>
+        <a:font script="Osma" typeface="Ebrima"/>
+        <a:font script="Phag" typeface="Phagspa"/>
+        <a:font script="Syrn" typeface="Estrangelo Edessa"/>
+        <a:font script="Syrj" typeface="Estrangelo Edessa"/>
+        <a:font script="Syre" typeface="Estrangelo Edessa"/>
+        <a:font script="Sora" typeface="Nirmala UI"/>
+        <a:font script="Tale" typeface="Microsoft Tai Le"/>
+        <a:font script="Talu" typeface="Microsoft New Tai Lue"/>
+        <a:font script="Tfng" typeface="Ebrima"/>
+      </a:minorFont>
+    </a:fontScheme>
+    <a:fmtScheme name="Office">
+      <a:fillStyleLst>
+        <a:solidFill>
+          <a:schemeClr val="phClr"/>
+        </a:solidFill>
+        <a:gradFill rotWithShape="1">
+          <a:gsLst>
+            <a:gs pos="0">
+              <a:schemeClr val="phClr">
+                <a:lumMod val="110000"/>
+                <a:satMod val="105000"/>
+                <a:tint val="67000"/>
+              </a:schemeClr>
+            </a:gs>
+            <a:gs pos="50000">
+              <a:schemeClr val="phClr">
+                <a:lumMod val="105000"/>
+                <a:satMod val="103000"/>
+                <a:tint val="73000"/>
+              </a:schemeClr>
+            </a:gs>
+            <a:gs pos="100000">
+              <a:schemeClr val="phClr">
+                <a:lumMod val="105000"/>
+                <a:satMod val="109000"/>
+                <a:tint val="81000"/>
+              </a:schemeClr>
+            </a:gs>
+          </a:gsLst>
+          <a:lin ang="5400000" scaled="0"/>
+        </a:gradFill>
+        <a:gradFill rotWithShape="1">
+          <a:gsLst>
+            <a:gs pos="0">
+              <a:schemeClr val="phClr">
+                <a:satMod val="103000"/>
+                <a:lumMod val="102000"/>
+                <a:tint val="94000"/>
+              </a:schemeClr>
+            </a:gs>
+            <a:gs pos="50000">
+              <a:schemeClr val="phClr">
+                <a:satMod val="110000"/>
+                <a:lumMod val="100000"/>
+                <a:shade val="100000"/>
+              </a:schemeClr>
+            </a:gs>
+            <a:gs pos="100000">
+              <a:schemeClr val="phClr">
+                <a:lumMod val="99000"/>
+                <a:satMod val="120000"/>
+                <a:shade val="78000"/>
+              </a:schemeClr>
+            </a:gs>
+          </a:gsLst>
+          <a:lin ang="5400000" scaled="0"/>
+        </a:gradFill>
+      </a:fillStyleLst>
+      <a:lnStyleLst>
+        <a:ln w="6350" cap="flat" cmpd="sng" algn="ctr">
+          <a:solidFill>
+            <a:schemeClr val="phClr"/>
+          </a:solidFill>
+          <a:prstDash val="solid"/>
+          <a:miter lim="800000"/>
+        </a:ln>
+        <a:ln w="12700" cap="flat" cmpd="sng" algn="ctr">
+          <a:solidFill>
+            <a:schemeClr val="phClr"/>
+          </a:solidFill>
+          <a:prstDash val="solid"/>
+          <a:miter lim="800000"/>
+        </a:ln>
+        <a:ln w="19050" cap="flat" cmpd="sng" algn="ctr">
+          <a:solidFill>
+            <a:schemeClr val="phClr"/>
+          </a:solidFill>
+          <a:prstDash val="solid"/>
+          <a:miter lim="800000"/>
+        </a:ln>
+      </a:lnStyleLst>
+      <a:effectStyleLst>
+        <a:effectStyle>
+          <a:effectLst/>
+        </a:effectStyle>
+        <a:effectStyle>
+          <a:effectLst/>
+        </a:effectStyle>
+        <a:effectStyle>
+          <a:effectLst>
+            <a:outerShdw blurRad="57150" dist="19050" dir="5400000" algn="ctr" rotWithShape="0">
+              <a:srgbClr val="000000">
+                <a:alpha val="63000"/>
+              </a:srgbClr>
+            </a:outerShdw>
+          </a:effectLst>
+        </a:effectStyle>
+      </a:effectStyleLst>
+      <a:bgFillStyleLst>
+        <a:solidFill>
+          <a:schemeClr val="phClr"/>
+        </a:solidFill>
+        <a:solidFill>
+          <a:schemeClr val="phClr">
+            <a:tint val="95000"/>
+            <a:satMod val="170000"/>
+          </a:schemeClr>
+        </a:solidFill>
+        <a:gradFill rotWithShape="1">
+          <a:gsLst>
+            <a:gs pos="0">
+              <a:schemeClr val="phClr">
+                <a:tint val="93000"/>
+                <a:satMod val="150000"/>
+                <a:shade val="98000"/>
+                <a:lumMod val="102000"/>
+              </a:schemeClr>
+            </a:gs>
+            <a:gs pos="50000">
+              <a:schemeClr val="phClr">
+                <a:tint val="98000"/>
+                <a:satMod val="130000"/>
+                <a:shade val="90000"/>
+                <a:lumMod val="103000"/>
+              </a:schemeClr>
+            </a:gs>
+            <a:gs pos="100000">
+              <a:schemeClr val="phClr">
+                <a:shade val="63000"/>
+                <a:satMod val="120000"/>
+              </a:schemeClr>
+            </a:gs>
+          </a:gsLst>
+          <a:lin ang="5400000" scaled="0"/>
+        </a:gradFill>
+      </a:bgFillStyleLst>
+    </a:fmtScheme>
+  </a:themeElements>
+  <a:objectDefaults/>
+  <a:extraClrSchemeLst/>
+  <a:extLst>
+    <a:ext uri="{05A4C25C-085E-4340-85A3-A5531E510DB2}">
+      <thm15:themeFamily xmlns:thm15="http://schemas.microsoft.com/office/thememl/2012/main" name="Office Theme" id="{62F939B6-93AF-4DB8-9C6B-D6C7DFDC589F}" vid="{4A3C46E8-61CC-4603-A589-7422A47A8E4A}"/>
+    </a:ext>
+  </a:extLst>
+</a:theme>
 </file>